--- a/analysis/plots/fig1_supp2.pptx
+++ b/analysis/plots/fig1_supp2.pptx
@@ -107,6 +107,11 @@
       </a:defRPr>
     </a:lvl9pPr>
   </p:defaultTextStyle>
+  <p:extLst>
+    <p:ext uri="{EFAFB233-063F-42B5-8137-9DF3F51BA10A}">
+      <p15:sldGuideLst xmlns:p15="http://schemas.microsoft.com/office/powerpoint/2012/main"/>
+    </p:ext>
+  </p:extLst>
 </p:presentation>
 </file>
 
@@ -192,7 +197,7 @@
           <a:p>
             <a:fld id="{823974A6-29DA-5F4C-9E7A-C6453FF98DB1}" type="datetimeFigureOut">
               <a:rPr lang="en-US" smtClean="0"/>
-              <a:t>8/15/21</a:t>
+              <a:t>8/18/21</a:t>
             </a:fld>
             <a:endParaRPr lang="en-US"/>
           </a:p>
@@ -679,7 +684,7 @@
           <a:p>
             <a:fld id="{3D4FB17C-64C5-814C-8D68-9570E398B727}" type="datetimeFigureOut">
               <a:rPr lang="en-US" smtClean="0"/>
-              <a:t>8/15/21</a:t>
+              <a:t>8/18/21</a:t>
             </a:fld>
             <a:endParaRPr lang="en-US"/>
           </a:p>
@@ -849,7 +854,7 @@
           <a:p>
             <a:fld id="{3D4FB17C-64C5-814C-8D68-9570E398B727}" type="datetimeFigureOut">
               <a:rPr lang="en-US" smtClean="0"/>
-              <a:t>8/15/21</a:t>
+              <a:t>8/18/21</a:t>
             </a:fld>
             <a:endParaRPr lang="en-US"/>
           </a:p>
@@ -1029,7 +1034,7 @@
           <a:p>
             <a:fld id="{3D4FB17C-64C5-814C-8D68-9570E398B727}" type="datetimeFigureOut">
               <a:rPr lang="en-US" smtClean="0"/>
-              <a:t>8/15/21</a:t>
+              <a:t>8/18/21</a:t>
             </a:fld>
             <a:endParaRPr lang="en-US"/>
           </a:p>
@@ -1199,7 +1204,7 @@
           <a:p>
             <a:fld id="{3D4FB17C-64C5-814C-8D68-9570E398B727}" type="datetimeFigureOut">
               <a:rPr lang="en-US" smtClean="0"/>
-              <a:t>8/15/21</a:t>
+              <a:t>8/18/21</a:t>
             </a:fld>
             <a:endParaRPr lang="en-US"/>
           </a:p>
@@ -1443,7 +1448,7 @@
           <a:p>
             <a:fld id="{3D4FB17C-64C5-814C-8D68-9570E398B727}" type="datetimeFigureOut">
               <a:rPr lang="en-US" smtClean="0"/>
-              <a:t>8/15/21</a:t>
+              <a:t>8/18/21</a:t>
             </a:fld>
             <a:endParaRPr lang="en-US"/>
           </a:p>
@@ -1675,7 +1680,7 @@
           <a:p>
             <a:fld id="{3D4FB17C-64C5-814C-8D68-9570E398B727}" type="datetimeFigureOut">
               <a:rPr lang="en-US" smtClean="0"/>
-              <a:t>8/15/21</a:t>
+              <a:t>8/18/21</a:t>
             </a:fld>
             <a:endParaRPr lang="en-US"/>
           </a:p>
@@ -2042,7 +2047,7 @@
           <a:p>
             <a:fld id="{3D4FB17C-64C5-814C-8D68-9570E398B727}" type="datetimeFigureOut">
               <a:rPr lang="en-US" smtClean="0"/>
-              <a:t>8/15/21</a:t>
+              <a:t>8/18/21</a:t>
             </a:fld>
             <a:endParaRPr lang="en-US"/>
           </a:p>
@@ -2160,7 +2165,7 @@
           <a:p>
             <a:fld id="{3D4FB17C-64C5-814C-8D68-9570E398B727}" type="datetimeFigureOut">
               <a:rPr lang="en-US" smtClean="0"/>
-              <a:t>8/15/21</a:t>
+              <a:t>8/18/21</a:t>
             </a:fld>
             <a:endParaRPr lang="en-US"/>
           </a:p>
@@ -2255,7 +2260,7 @@
           <a:p>
             <a:fld id="{3D4FB17C-64C5-814C-8D68-9570E398B727}" type="datetimeFigureOut">
               <a:rPr lang="en-US" smtClean="0"/>
-              <a:t>8/15/21</a:t>
+              <a:t>8/18/21</a:t>
             </a:fld>
             <a:endParaRPr lang="en-US"/>
           </a:p>
@@ -2532,7 +2537,7 @@
           <a:p>
             <a:fld id="{3D4FB17C-64C5-814C-8D68-9570E398B727}" type="datetimeFigureOut">
               <a:rPr lang="en-US" smtClean="0"/>
-              <a:t>8/15/21</a:t>
+              <a:t>8/18/21</a:t>
             </a:fld>
             <a:endParaRPr lang="en-US"/>
           </a:p>
@@ -2789,7 +2794,7 @@
           <a:p>
             <a:fld id="{3D4FB17C-64C5-814C-8D68-9570E398B727}" type="datetimeFigureOut">
               <a:rPr lang="en-US" smtClean="0"/>
-              <a:t>8/15/21</a:t>
+              <a:t>8/18/21</a:t>
             </a:fld>
             <a:endParaRPr lang="en-US"/>
           </a:p>
@@ -3002,7 +3007,7 @@
           <a:p>
             <a:fld id="{3D4FB17C-64C5-814C-8D68-9570E398B727}" type="datetimeFigureOut">
               <a:rPr lang="en-US" smtClean="0"/>
-              <a:t>8/15/21</a:t>
+              <a:t>8/18/21</a:t>
             </a:fld>
             <a:endParaRPr lang="en-US"/>
           </a:p>
@@ -3409,10 +3414,10 @@
       </p:grpSpPr>
       <p:pic>
         <p:nvPicPr>
-          <p:cNvPr id="33" name="Picture 32">
+          <p:cNvPr id="5" name="Picture 4">
             <a:extLst>
               <a:ext uri="{FF2B5EF4-FFF2-40B4-BE49-F238E27FC236}">
-                <a16:creationId xmlns:a16="http://schemas.microsoft.com/office/drawing/2014/main" id="{05D0C280-1287-F042-800A-474476B31812}"/>
+                <a16:creationId xmlns:a16="http://schemas.microsoft.com/office/drawing/2014/main" id="{EA2D6D78-2C1B-0947-9A48-062B37018252}"/>
               </a:ext>
             </a:extLst>
           </p:cNvPr>
@@ -3423,13 +3428,13 @@
         </p:nvPicPr>
         <p:blipFill rotWithShape="1">
           <a:blip r:embed="rId3"/>
-          <a:srcRect t="77068"/>
+          <a:srcRect t="49000" b="24634"/>
           <a:stretch/>
         </p:blipFill>
         <p:spPr>
           <a:xfrm>
-            <a:off x="469348" y="8097079"/>
-            <a:ext cx="6197600" cy="515486"/>
+            <a:off x="424877" y="5742863"/>
+            <a:ext cx="6197600" cy="592668"/>
           </a:xfrm>
           <a:prstGeom prst="rect">
             <a:avLst/>
@@ -3438,10 +3443,10 @@
       </p:pic>
       <p:pic>
         <p:nvPicPr>
-          <p:cNvPr id="34" name="Picture 33">
+          <p:cNvPr id="20" name="Picture 19">
             <a:extLst>
               <a:ext uri="{FF2B5EF4-FFF2-40B4-BE49-F238E27FC236}">
-                <a16:creationId xmlns:a16="http://schemas.microsoft.com/office/drawing/2014/main" id="{CAD78075-1FD0-CE47-BCE9-60A6845D2EB9}"/>
+                <a16:creationId xmlns:a16="http://schemas.microsoft.com/office/drawing/2014/main" id="{3C9D6D90-F8ED-6949-BF5E-0B11DB40750B}"/>
               </a:ext>
             </a:extLst>
           </p:cNvPr>
@@ -3452,13 +3457,13 @@
         </p:nvPicPr>
         <p:blipFill rotWithShape="1">
           <a:blip r:embed="rId3"/>
-          <a:srcRect b="76874"/>
+          <a:srcRect t="76288"/>
           <a:stretch/>
         </p:blipFill>
         <p:spPr>
           <a:xfrm>
-            <a:off x="469348" y="1577887"/>
-            <a:ext cx="6197600" cy="519840"/>
+            <a:off x="424877" y="8140343"/>
+            <a:ext cx="6197600" cy="533031"/>
           </a:xfrm>
           <a:prstGeom prst="rect">
             <a:avLst/>
@@ -3467,39 +3472,10 @@
       </p:pic>
       <p:pic>
         <p:nvPicPr>
-          <p:cNvPr id="8" name="Picture 7">
+          <p:cNvPr id="19" name="Picture 18">
             <a:extLst>
               <a:ext uri="{FF2B5EF4-FFF2-40B4-BE49-F238E27FC236}">
-                <a16:creationId xmlns:a16="http://schemas.microsoft.com/office/drawing/2014/main" id="{32E2B5E6-55EC-034F-AD7F-D84B54C9140B}"/>
-              </a:ext>
-            </a:extLst>
-          </p:cNvPr>
-          <p:cNvPicPr>
-            <a:picLocks noChangeAspect="1"/>
-          </p:cNvPicPr>
-          <p:nvPr/>
-        </p:nvPicPr>
-        <p:blipFill rotWithShape="1">
-          <a:blip r:embed="rId4"/>
-          <a:srcRect r="18126" b="75555"/>
-          <a:stretch/>
-        </p:blipFill>
-        <p:spPr>
-          <a:xfrm>
-            <a:off x="0" y="0"/>
-            <a:ext cx="7162800" cy="1676400"/>
-          </a:xfrm>
-          <a:prstGeom prst="rect">
-            <a:avLst/>
-          </a:prstGeom>
-        </p:spPr>
-      </p:pic>
-      <p:pic>
-        <p:nvPicPr>
-          <p:cNvPr id="35" name="Picture 34">
-            <a:extLst>
-              <a:ext uri="{FF2B5EF4-FFF2-40B4-BE49-F238E27FC236}">
-                <a16:creationId xmlns:a16="http://schemas.microsoft.com/office/drawing/2014/main" id="{483B50F7-9394-544F-BB50-200BC3874276}"/>
+                <a16:creationId xmlns:a16="http://schemas.microsoft.com/office/drawing/2014/main" id="{BF4B4B86-969F-4644-B0E7-83CAAE7C8167}"/>
               </a:ext>
             </a:extLst>
           </p:cNvPr>
@@ -3510,13 +3486,13 @@
         </p:nvPicPr>
         <p:blipFill rotWithShape="1">
           <a:blip r:embed="rId3"/>
-          <a:srcRect t="22536" b="51525"/>
+          <a:srcRect t="24494" b="49894"/>
           <a:stretch/>
         </p:blipFill>
         <p:spPr>
           <a:xfrm>
-            <a:off x="469348" y="3620699"/>
-            <a:ext cx="6197600" cy="583095"/>
+            <a:off x="424877" y="3625525"/>
+            <a:ext cx="6197600" cy="575734"/>
           </a:xfrm>
           <a:prstGeom prst="rect">
             <a:avLst/>
@@ -3525,39 +3501,10 @@
       </p:pic>
       <p:pic>
         <p:nvPicPr>
-          <p:cNvPr id="9" name="Picture 8">
+          <p:cNvPr id="16" name="Picture 15">
             <a:extLst>
               <a:ext uri="{FF2B5EF4-FFF2-40B4-BE49-F238E27FC236}">
-                <a16:creationId xmlns:a16="http://schemas.microsoft.com/office/drawing/2014/main" id="{F095E90A-325F-FC45-9B88-F38B6A582635}"/>
-              </a:ext>
-            </a:extLst>
-          </p:cNvPr>
-          <p:cNvPicPr>
-            <a:picLocks noChangeAspect="1"/>
-          </p:cNvPicPr>
-          <p:nvPr/>
-        </p:nvPicPr>
-        <p:blipFill rotWithShape="1">
-          <a:blip r:embed="rId4"/>
-          <a:srcRect t="24058" r="17975" b="51594"/>
-          <a:stretch/>
-        </p:blipFill>
-        <p:spPr>
-          <a:xfrm>
-            <a:off x="0" y="2105958"/>
-            <a:ext cx="7176052" cy="1669774"/>
-          </a:xfrm>
-          <a:prstGeom prst="rect">
-            <a:avLst/>
-          </a:prstGeom>
-        </p:spPr>
-      </p:pic>
-      <p:pic>
-        <p:nvPicPr>
-          <p:cNvPr id="36" name="Picture 35">
-            <a:extLst>
-              <a:ext uri="{FF2B5EF4-FFF2-40B4-BE49-F238E27FC236}">
-                <a16:creationId xmlns:a16="http://schemas.microsoft.com/office/drawing/2014/main" id="{BCF585F1-8D27-F64D-9066-B2DA12BE763E}"/>
+                <a16:creationId xmlns:a16="http://schemas.microsoft.com/office/drawing/2014/main" id="{B9130602-4CFB-B54E-876A-6DB2E669B270}"/>
               </a:ext>
             </a:extLst>
           </p:cNvPr>
@@ -3568,71 +3515,13 @@
         </p:nvPicPr>
         <p:blipFill rotWithShape="1">
           <a:blip r:embed="rId3"/>
-          <a:srcRect t="50244" b="26174"/>
+          <a:srcRect b="76259"/>
           <a:stretch/>
         </p:blipFill>
         <p:spPr>
           <a:xfrm>
-            <a:off x="469348" y="5722353"/>
-            <a:ext cx="6197600" cy="530087"/>
-          </a:xfrm>
-          <a:prstGeom prst="rect">
-            <a:avLst/>
-          </a:prstGeom>
-        </p:spPr>
-      </p:pic>
-      <p:pic>
-        <p:nvPicPr>
-          <p:cNvPr id="10" name="Picture 9">
-            <a:extLst>
-              <a:ext uri="{FF2B5EF4-FFF2-40B4-BE49-F238E27FC236}">
-                <a16:creationId xmlns:a16="http://schemas.microsoft.com/office/drawing/2014/main" id="{C7A9C8DB-5CCB-B749-AB97-90D561FBE1AC}"/>
-              </a:ext>
-            </a:extLst>
-          </p:cNvPr>
-          <p:cNvPicPr>
-            <a:picLocks noChangeAspect="1"/>
-          </p:cNvPicPr>
-          <p:nvPr/>
-        </p:nvPicPr>
-        <p:blipFill rotWithShape="1">
-          <a:blip r:embed="rId4"/>
-          <a:srcRect t="48020" r="18126" b="27632"/>
-          <a:stretch/>
-        </p:blipFill>
-        <p:spPr>
-          <a:xfrm>
-            <a:off x="0" y="4175576"/>
-            <a:ext cx="7162800" cy="1669775"/>
-          </a:xfrm>
-          <a:prstGeom prst="rect">
-            <a:avLst/>
-          </a:prstGeom>
-        </p:spPr>
-      </p:pic>
-      <p:pic>
-        <p:nvPicPr>
-          <p:cNvPr id="7" name="Picture 6">
-            <a:extLst>
-              <a:ext uri="{FF2B5EF4-FFF2-40B4-BE49-F238E27FC236}">
-                <a16:creationId xmlns:a16="http://schemas.microsoft.com/office/drawing/2014/main" id="{7EB9E4A6-7253-E94D-ADCD-44336ACD6BD3}"/>
-              </a:ext>
-            </a:extLst>
-          </p:cNvPr>
-          <p:cNvPicPr>
-            <a:picLocks noChangeAspect="1"/>
-          </p:cNvPicPr>
-          <p:nvPr/>
-        </p:nvPicPr>
-        <p:blipFill rotWithShape="1">
-          <a:blip r:embed="rId4"/>
-          <a:srcRect t="71691" r="18429"/>
-          <a:stretch/>
-        </p:blipFill>
-        <p:spPr>
-          <a:xfrm>
-            <a:off x="0" y="6221902"/>
-            <a:ext cx="7136296" cy="1941443"/>
+            <a:off x="424877" y="1567510"/>
+            <a:ext cx="6197600" cy="533669"/>
           </a:xfrm>
           <a:prstGeom prst="rect">
             <a:avLst/>
@@ -3660,8 +3549,124 @@
         </p:blipFill>
         <p:spPr>
           <a:xfrm>
-            <a:off x="7038981" y="2940845"/>
+            <a:off x="7077074" y="1635993"/>
             <a:ext cx="1381126" cy="2663687"/>
+          </a:xfrm>
+          <a:prstGeom prst="rect">
+            <a:avLst/>
+          </a:prstGeom>
+        </p:spPr>
+      </p:pic>
+      <p:pic>
+        <p:nvPicPr>
+          <p:cNvPr id="14" name="Picture 13">
+            <a:extLst>
+              <a:ext uri="{FF2B5EF4-FFF2-40B4-BE49-F238E27FC236}">
+                <a16:creationId xmlns:a16="http://schemas.microsoft.com/office/drawing/2014/main" id="{2D615605-7982-8B49-A32A-9B495CD17400}"/>
+              </a:ext>
+            </a:extLst>
+          </p:cNvPr>
+          <p:cNvPicPr>
+            <a:picLocks noChangeAspect="1"/>
+          </p:cNvPicPr>
+          <p:nvPr/>
+        </p:nvPicPr>
+        <p:blipFill rotWithShape="1">
+          <a:blip r:embed="rId5"/>
+          <a:srcRect t="72361" r="18300"/>
+          <a:stretch/>
+        </p:blipFill>
+        <p:spPr>
+          <a:xfrm>
+            <a:off x="-29720" y="6324499"/>
+            <a:ext cx="7180111" cy="1904108"/>
+          </a:xfrm>
+          <a:prstGeom prst="rect">
+            <a:avLst/>
+          </a:prstGeom>
+        </p:spPr>
+      </p:pic>
+      <p:pic>
+        <p:nvPicPr>
+          <p:cNvPr id="15" name="Picture 14">
+            <a:extLst>
+              <a:ext uri="{FF2B5EF4-FFF2-40B4-BE49-F238E27FC236}">
+                <a16:creationId xmlns:a16="http://schemas.microsoft.com/office/drawing/2014/main" id="{68635B90-F672-8B45-A5AB-BEAD28F6D60D}"/>
+              </a:ext>
+            </a:extLst>
+          </p:cNvPr>
+          <p:cNvPicPr>
+            <a:picLocks noChangeAspect="1"/>
+          </p:cNvPicPr>
+          <p:nvPr/>
+        </p:nvPicPr>
+        <p:blipFill rotWithShape="1">
+          <a:blip r:embed="rId5"/>
+          <a:srcRect r="19568" b="75829"/>
+          <a:stretch/>
+        </p:blipFill>
+        <p:spPr>
+          <a:xfrm>
+            <a:off x="-29720" y="41411"/>
+            <a:ext cx="7068701" cy="1665230"/>
+          </a:xfrm>
+          <a:prstGeom prst="rect">
+            <a:avLst/>
+          </a:prstGeom>
+        </p:spPr>
+      </p:pic>
+      <p:pic>
+        <p:nvPicPr>
+          <p:cNvPr id="17" name="Picture 16">
+            <a:extLst>
+              <a:ext uri="{FF2B5EF4-FFF2-40B4-BE49-F238E27FC236}">
+                <a16:creationId xmlns:a16="http://schemas.microsoft.com/office/drawing/2014/main" id="{42C284A5-F86B-7B47-970C-5E3F57FB5B02}"/>
+              </a:ext>
+            </a:extLst>
+          </p:cNvPr>
+          <p:cNvPicPr>
+            <a:picLocks noChangeAspect="1"/>
+          </p:cNvPicPr>
+          <p:nvPr/>
+        </p:nvPicPr>
+        <p:blipFill rotWithShape="1">
+          <a:blip r:embed="rId5"/>
+          <a:srcRect t="23677" r="18169" b="51245"/>
+          <a:stretch/>
+        </p:blipFill>
+        <p:spPr>
+          <a:xfrm>
+            <a:off x="-27680" y="2058090"/>
+            <a:ext cx="7191656" cy="1727686"/>
+          </a:xfrm>
+          <a:prstGeom prst="rect">
+            <a:avLst/>
+          </a:prstGeom>
+        </p:spPr>
+      </p:pic>
+      <p:pic>
+        <p:nvPicPr>
+          <p:cNvPr id="18" name="Picture 17">
+            <a:extLst>
+              <a:ext uri="{FF2B5EF4-FFF2-40B4-BE49-F238E27FC236}">
+                <a16:creationId xmlns:a16="http://schemas.microsoft.com/office/drawing/2014/main" id="{BD67E26C-4598-0C4D-8E8B-1AF4987DA66B}"/>
+              </a:ext>
+            </a:extLst>
+          </p:cNvPr>
+          <p:cNvPicPr>
+            <a:picLocks noChangeAspect="1"/>
+          </p:cNvPicPr>
+          <p:nvPr/>
+        </p:nvPicPr>
+        <p:blipFill rotWithShape="1">
+          <a:blip r:embed="rId5"/>
+          <a:srcRect t="48122" r="18329" b="27545"/>
+          <a:stretch/>
+        </p:blipFill>
+        <p:spPr>
+          <a:xfrm>
+            <a:off x="-29720" y="4237198"/>
+            <a:ext cx="7177547" cy="1676400"/>
           </a:xfrm>
           <a:prstGeom prst="rect">
             <a:avLst/>

--- a/analysis/plots/fig1_supp2.pptx
+++ b/analysis/plots/fig1_supp2.pptx
@@ -2,7 +2,7 @@
 <file path=ppt/presentation.xml><?xml version="1.0" encoding="utf-8"?>
 <p:presentation xmlns:a="http://schemas.openxmlformats.org/drawingml/2006/main" xmlns:r="http://schemas.openxmlformats.org/officeDocument/2006/relationships" xmlns:p="http://schemas.openxmlformats.org/presentationml/2006/main" saveSubsetFonts="1" autoCompressPictures="0">
   <p:sldMasterIdLst>
-    <p:sldMasterId id="2147483720" r:id="rId1"/>
+    <p:sldMasterId id="2147483732" r:id="rId1"/>
   </p:sldMasterIdLst>
   <p:notesMasterIdLst>
     <p:notesMasterId r:id="rId3"/>
@@ -10,7 +10,7 @@
   <p:sldIdLst>
     <p:sldId id="256" r:id="rId2"/>
   </p:sldIdLst>
-  <p:sldSz cx="8458200" cy="8686800"/>
+  <p:sldSz cx="8229600" cy="8686800"/>
   <p:notesSz cx="6858000" cy="9144000"/>
   <p:defaultTextStyle>
     <a:defPPr>
@@ -197,7 +197,7 @@
           <a:p>
             <a:fld id="{823974A6-29DA-5F4C-9E7A-C6453FF98DB1}" type="datetimeFigureOut">
               <a:rPr lang="en-US" smtClean="0"/>
-              <a:t>8/18/21</a:t>
+              <a:t>9/9/21</a:t>
             </a:fld>
             <a:endParaRPr lang="en-US"/>
           </a:p>
@@ -215,8 +215,8 @@
         </p:nvSpPr>
         <p:spPr>
           <a:xfrm>
-            <a:off x="1927225" y="1143000"/>
-            <a:ext cx="3003550" cy="3086100"/>
+            <a:off x="1966913" y="1143000"/>
+            <a:ext cx="2924175" cy="3086100"/>
           </a:xfrm>
           <a:prstGeom prst="rect">
             <a:avLst/>
@@ -493,8 +493,8 @@
         </p:nvSpPr>
         <p:spPr>
           <a:xfrm>
-            <a:off x="1927225" y="1143000"/>
-            <a:ext cx="3003550" cy="3086100"/>
+            <a:off x="1966913" y="1143000"/>
+            <a:ext cx="2924175" cy="3086100"/>
           </a:xfrm>
         </p:spPr>
       </p:sp>
@@ -582,15 +582,15 @@
         </p:nvSpPr>
         <p:spPr>
           <a:xfrm>
-            <a:off x="634365" y="1421660"/>
-            <a:ext cx="7189470" cy="3024293"/>
+            <a:off x="617220" y="1421660"/>
+            <a:ext cx="6995160" cy="3024293"/>
           </a:xfrm>
         </p:spPr>
         <p:txBody>
           <a:bodyPr anchor="b"/>
           <a:lstStyle>
             <a:lvl1pPr algn="ctr">
-              <a:defRPr sz="5550"/>
+              <a:defRPr sz="5400"/>
             </a:lvl1pPr>
           </a:lstStyle>
           <a:p>
@@ -614,8 +614,8 @@
         </p:nvSpPr>
         <p:spPr>
           <a:xfrm>
-            <a:off x="1057275" y="4562581"/>
-            <a:ext cx="6343650" cy="2097299"/>
+            <a:off x="1028700" y="4562581"/>
+            <a:ext cx="6172200" cy="2097299"/>
           </a:xfrm>
         </p:spPr>
         <p:txBody>
@@ -623,39 +623,39 @@
           <a:lstStyle>
             <a:lvl1pPr marL="0" indent="0" algn="ctr">
               <a:buNone/>
-              <a:defRPr sz="2220"/>
+              <a:defRPr sz="2160"/>
             </a:lvl1pPr>
-            <a:lvl2pPr marL="422910" indent="0" algn="ctr">
-              <a:buNone/>
-              <a:defRPr sz="1850"/>
+            <a:lvl2pPr marL="411480" indent="0" algn="ctr">
+              <a:buNone/>
+              <a:defRPr sz="1800"/>
             </a:lvl2pPr>
-            <a:lvl3pPr marL="845820" indent="0" algn="ctr">
-              <a:buNone/>
-              <a:defRPr sz="1665"/>
+            <a:lvl3pPr marL="822960" indent="0" algn="ctr">
+              <a:buNone/>
+              <a:defRPr sz="1620"/>
             </a:lvl3pPr>
-            <a:lvl4pPr marL="1268730" indent="0" algn="ctr">
-              <a:buNone/>
-              <a:defRPr sz="1480"/>
+            <a:lvl4pPr marL="1234440" indent="0" algn="ctr">
+              <a:buNone/>
+              <a:defRPr sz="1440"/>
             </a:lvl4pPr>
-            <a:lvl5pPr marL="1691640" indent="0" algn="ctr">
-              <a:buNone/>
-              <a:defRPr sz="1480"/>
+            <a:lvl5pPr marL="1645920" indent="0" algn="ctr">
+              <a:buNone/>
+              <a:defRPr sz="1440"/>
             </a:lvl5pPr>
-            <a:lvl6pPr marL="2114550" indent="0" algn="ctr">
-              <a:buNone/>
-              <a:defRPr sz="1480"/>
+            <a:lvl6pPr marL="2057400" indent="0" algn="ctr">
+              <a:buNone/>
+              <a:defRPr sz="1440"/>
             </a:lvl6pPr>
-            <a:lvl7pPr marL="2537460" indent="0" algn="ctr">
-              <a:buNone/>
-              <a:defRPr sz="1480"/>
+            <a:lvl7pPr marL="2468880" indent="0" algn="ctr">
+              <a:buNone/>
+              <a:defRPr sz="1440"/>
             </a:lvl7pPr>
-            <a:lvl8pPr marL="2960370" indent="0" algn="ctr">
-              <a:buNone/>
-              <a:defRPr sz="1480"/>
+            <a:lvl8pPr marL="2880360" indent="0" algn="ctr">
+              <a:buNone/>
+              <a:defRPr sz="1440"/>
             </a:lvl8pPr>
-            <a:lvl9pPr marL="3383280" indent="0" algn="ctr">
-              <a:buNone/>
-              <a:defRPr sz="1480"/>
+            <a:lvl9pPr marL="3291840" indent="0" algn="ctr">
+              <a:buNone/>
+              <a:defRPr sz="1440"/>
             </a:lvl9pPr>
           </a:lstStyle>
           <a:p>
@@ -684,7 +684,7 @@
           <a:p>
             <a:fld id="{3D4FB17C-64C5-814C-8D68-9570E398B727}" type="datetimeFigureOut">
               <a:rPr lang="en-US" smtClean="0"/>
-              <a:t>8/18/21</a:t>
+              <a:t>9/9/21</a:t>
             </a:fld>
             <a:endParaRPr lang="en-US"/>
           </a:p>
@@ -735,7 +735,7 @@
     </p:spTree>
     <p:extLst>
       <p:ext uri="{BB962C8B-B14F-4D97-AF65-F5344CB8AC3E}">
-        <p14:creationId xmlns:p14="http://schemas.microsoft.com/office/powerpoint/2010/main" val="4192903650"/>
+        <p14:creationId xmlns:p14="http://schemas.microsoft.com/office/powerpoint/2010/main" val="841057788"/>
       </p:ext>
     </p:extLst>
   </p:cSld>
@@ -854,7 +854,7 @@
           <a:p>
             <a:fld id="{3D4FB17C-64C5-814C-8D68-9570E398B727}" type="datetimeFigureOut">
               <a:rPr lang="en-US" smtClean="0"/>
-              <a:t>8/18/21</a:t>
+              <a:t>9/9/21</a:t>
             </a:fld>
             <a:endParaRPr lang="en-US"/>
           </a:p>
@@ -905,7 +905,7 @@
     </p:spTree>
     <p:extLst>
       <p:ext uri="{BB962C8B-B14F-4D97-AF65-F5344CB8AC3E}">
-        <p14:creationId xmlns:p14="http://schemas.microsoft.com/office/powerpoint/2010/main" val="1415784298"/>
+        <p14:creationId xmlns:p14="http://schemas.microsoft.com/office/powerpoint/2010/main" val="4027748229"/>
       </p:ext>
     </p:extLst>
   </p:cSld>
@@ -944,8 +944,8 @@
         </p:nvSpPr>
         <p:spPr>
           <a:xfrm>
-            <a:off x="6052900" y="462492"/>
-            <a:ext cx="1823799" cy="7361661"/>
+            <a:off x="5889308" y="462492"/>
+            <a:ext cx="1774508" cy="7361661"/>
           </a:xfrm>
         </p:spPr>
         <p:txBody>
@@ -972,8 +972,8 @@
         </p:nvSpPr>
         <p:spPr>
           <a:xfrm>
-            <a:off x="581502" y="462492"/>
-            <a:ext cx="5365671" cy="7361661"/>
+            <a:off x="565785" y="462492"/>
+            <a:ext cx="5220653" cy="7361661"/>
           </a:xfrm>
         </p:spPr>
         <p:txBody>
@@ -1034,7 +1034,7 @@
           <a:p>
             <a:fld id="{3D4FB17C-64C5-814C-8D68-9570E398B727}" type="datetimeFigureOut">
               <a:rPr lang="en-US" smtClean="0"/>
-              <a:t>8/18/21</a:t>
+              <a:t>9/9/21</a:t>
             </a:fld>
             <a:endParaRPr lang="en-US"/>
           </a:p>
@@ -1085,7 +1085,7 @@
     </p:spTree>
     <p:extLst>
       <p:ext uri="{BB962C8B-B14F-4D97-AF65-F5344CB8AC3E}">
-        <p14:creationId xmlns:p14="http://schemas.microsoft.com/office/powerpoint/2010/main" val="1569856856"/>
+        <p14:creationId xmlns:p14="http://schemas.microsoft.com/office/powerpoint/2010/main" val="4033297682"/>
       </p:ext>
     </p:extLst>
   </p:cSld>
@@ -1204,7 +1204,7 @@
           <a:p>
             <a:fld id="{3D4FB17C-64C5-814C-8D68-9570E398B727}" type="datetimeFigureOut">
               <a:rPr lang="en-US" smtClean="0"/>
-              <a:t>8/18/21</a:t>
+              <a:t>9/9/21</a:t>
             </a:fld>
             <a:endParaRPr lang="en-US"/>
           </a:p>
@@ -1255,7 +1255,7 @@
     </p:spTree>
     <p:extLst>
       <p:ext uri="{BB962C8B-B14F-4D97-AF65-F5344CB8AC3E}">
-        <p14:creationId xmlns:p14="http://schemas.microsoft.com/office/powerpoint/2010/main" val="2224463179"/>
+        <p14:creationId xmlns:p14="http://schemas.microsoft.com/office/powerpoint/2010/main" val="1441409453"/>
       </p:ext>
     </p:extLst>
   </p:cSld>
@@ -1294,15 +1294,15 @@
         </p:nvSpPr>
         <p:spPr>
           <a:xfrm>
-            <a:off x="577096" y="2165670"/>
-            <a:ext cx="7295198" cy="3613467"/>
+            <a:off x="561499" y="2165670"/>
+            <a:ext cx="7098030" cy="3613467"/>
           </a:xfrm>
         </p:spPr>
         <p:txBody>
           <a:bodyPr anchor="b"/>
           <a:lstStyle>
             <a:lvl1pPr>
-              <a:defRPr sz="5550"/>
+              <a:defRPr sz="5400"/>
             </a:lvl1pPr>
           </a:lstStyle>
           <a:p>
@@ -1326,8 +1326,8 @@
         </p:nvSpPr>
         <p:spPr>
           <a:xfrm>
-            <a:off x="577096" y="5813322"/>
-            <a:ext cx="7295198" cy="1900237"/>
+            <a:off x="561499" y="5813322"/>
+            <a:ext cx="7098030" cy="1900237"/>
           </a:xfrm>
         </p:spPr>
         <p:txBody>
@@ -1335,15 +1335,15 @@
           <a:lstStyle>
             <a:lvl1pPr marL="0" indent="0">
               <a:buNone/>
-              <a:defRPr sz="2220">
+              <a:defRPr sz="2160">
                 <a:solidFill>
                   <a:schemeClr val="tx1"/>
                 </a:solidFill>
               </a:defRPr>
             </a:lvl1pPr>
-            <a:lvl2pPr marL="422910" indent="0">
-              <a:buNone/>
-              <a:defRPr sz="1850">
+            <a:lvl2pPr marL="411480" indent="0">
+              <a:buNone/>
+              <a:defRPr sz="1800">
                 <a:solidFill>
                   <a:schemeClr val="tx1">
                     <a:tint val="75000"/>
@@ -1351,9 +1351,9 @@
                 </a:solidFill>
               </a:defRPr>
             </a:lvl2pPr>
-            <a:lvl3pPr marL="845820" indent="0">
-              <a:buNone/>
-              <a:defRPr sz="1665">
+            <a:lvl3pPr marL="822960" indent="0">
+              <a:buNone/>
+              <a:defRPr sz="1620">
                 <a:solidFill>
                   <a:schemeClr val="tx1">
                     <a:tint val="75000"/>
@@ -1361,9 +1361,9 @@
                 </a:solidFill>
               </a:defRPr>
             </a:lvl3pPr>
-            <a:lvl4pPr marL="1268730" indent="0">
-              <a:buNone/>
-              <a:defRPr sz="1480">
+            <a:lvl4pPr marL="1234440" indent="0">
+              <a:buNone/>
+              <a:defRPr sz="1440">
                 <a:solidFill>
                   <a:schemeClr val="tx1">
                     <a:tint val="75000"/>
@@ -1371,9 +1371,9 @@
                 </a:solidFill>
               </a:defRPr>
             </a:lvl4pPr>
-            <a:lvl5pPr marL="1691640" indent="0">
-              <a:buNone/>
-              <a:defRPr sz="1480">
+            <a:lvl5pPr marL="1645920" indent="0">
+              <a:buNone/>
+              <a:defRPr sz="1440">
                 <a:solidFill>
                   <a:schemeClr val="tx1">
                     <a:tint val="75000"/>
@@ -1381,9 +1381,9 @@
                 </a:solidFill>
               </a:defRPr>
             </a:lvl5pPr>
-            <a:lvl6pPr marL="2114550" indent="0">
-              <a:buNone/>
-              <a:defRPr sz="1480">
+            <a:lvl6pPr marL="2057400" indent="0">
+              <a:buNone/>
+              <a:defRPr sz="1440">
                 <a:solidFill>
                   <a:schemeClr val="tx1">
                     <a:tint val="75000"/>
@@ -1391,9 +1391,9 @@
                 </a:solidFill>
               </a:defRPr>
             </a:lvl6pPr>
-            <a:lvl7pPr marL="2537460" indent="0">
-              <a:buNone/>
-              <a:defRPr sz="1480">
+            <a:lvl7pPr marL="2468880" indent="0">
+              <a:buNone/>
+              <a:defRPr sz="1440">
                 <a:solidFill>
                   <a:schemeClr val="tx1">
                     <a:tint val="75000"/>
@@ -1401,9 +1401,9 @@
                 </a:solidFill>
               </a:defRPr>
             </a:lvl7pPr>
-            <a:lvl8pPr marL="2960370" indent="0">
-              <a:buNone/>
-              <a:defRPr sz="1480">
+            <a:lvl8pPr marL="2880360" indent="0">
+              <a:buNone/>
+              <a:defRPr sz="1440">
                 <a:solidFill>
                   <a:schemeClr val="tx1">
                     <a:tint val="75000"/>
@@ -1411,9 +1411,9 @@
                 </a:solidFill>
               </a:defRPr>
             </a:lvl8pPr>
-            <a:lvl9pPr marL="3383280" indent="0">
-              <a:buNone/>
-              <a:defRPr sz="1480">
+            <a:lvl9pPr marL="3291840" indent="0">
+              <a:buNone/>
+              <a:defRPr sz="1440">
                 <a:solidFill>
                   <a:schemeClr val="tx1">
                     <a:tint val="75000"/>
@@ -1448,7 +1448,7 @@
           <a:p>
             <a:fld id="{3D4FB17C-64C5-814C-8D68-9570E398B727}" type="datetimeFigureOut">
               <a:rPr lang="en-US" smtClean="0"/>
-              <a:t>8/18/21</a:t>
+              <a:t>9/9/21</a:t>
             </a:fld>
             <a:endParaRPr lang="en-US"/>
           </a:p>
@@ -1499,7 +1499,7 @@
     </p:spTree>
     <p:extLst>
       <p:ext uri="{BB962C8B-B14F-4D97-AF65-F5344CB8AC3E}">
-        <p14:creationId xmlns:p14="http://schemas.microsoft.com/office/powerpoint/2010/main" val="2049569471"/>
+        <p14:creationId xmlns:p14="http://schemas.microsoft.com/office/powerpoint/2010/main" val="4241764856"/>
       </p:ext>
     </p:extLst>
   </p:cSld>
@@ -1561,8 +1561,8 @@
         </p:nvSpPr>
         <p:spPr>
           <a:xfrm>
-            <a:off x="581501" y="2312458"/>
-            <a:ext cx="3594735" cy="5511695"/>
+            <a:off x="565785" y="2312458"/>
+            <a:ext cx="3497580" cy="5511695"/>
           </a:xfrm>
         </p:spPr>
         <p:txBody>
@@ -1618,8 +1618,8 @@
         </p:nvSpPr>
         <p:spPr>
           <a:xfrm>
-            <a:off x="4281964" y="2312458"/>
-            <a:ext cx="3594735" cy="5511695"/>
+            <a:off x="4166235" y="2312458"/>
+            <a:ext cx="3497580" cy="5511695"/>
           </a:xfrm>
         </p:spPr>
         <p:txBody>
@@ -1680,7 +1680,7 @@
           <a:p>
             <a:fld id="{3D4FB17C-64C5-814C-8D68-9570E398B727}" type="datetimeFigureOut">
               <a:rPr lang="en-US" smtClean="0"/>
-              <a:t>8/18/21</a:t>
+              <a:t>9/9/21</a:t>
             </a:fld>
             <a:endParaRPr lang="en-US"/>
           </a:p>
@@ -1731,7 +1731,7 @@
     </p:spTree>
     <p:extLst>
       <p:ext uri="{BB962C8B-B14F-4D97-AF65-F5344CB8AC3E}">
-        <p14:creationId xmlns:p14="http://schemas.microsoft.com/office/powerpoint/2010/main" val="2294260306"/>
+        <p14:creationId xmlns:p14="http://schemas.microsoft.com/office/powerpoint/2010/main" val="3643624844"/>
       </p:ext>
     </p:extLst>
   </p:cSld>
@@ -1770,8 +1770,8 @@
         </p:nvSpPr>
         <p:spPr>
           <a:xfrm>
-            <a:off x="582603" y="462494"/>
-            <a:ext cx="7295198" cy="1679046"/>
+            <a:off x="566857" y="462494"/>
+            <a:ext cx="7098030" cy="1679046"/>
           </a:xfrm>
         </p:spPr>
         <p:txBody>
@@ -1798,8 +1798,8 @@
         </p:nvSpPr>
         <p:spPr>
           <a:xfrm>
-            <a:off x="582604" y="2129473"/>
-            <a:ext cx="3578215" cy="1043622"/>
+            <a:off x="566858" y="2129473"/>
+            <a:ext cx="3481506" cy="1043622"/>
           </a:xfrm>
         </p:spPr>
         <p:txBody>
@@ -1807,39 +1807,39 @@
           <a:lstStyle>
             <a:lvl1pPr marL="0" indent="0">
               <a:buNone/>
-              <a:defRPr sz="2220" b="1"/>
+              <a:defRPr sz="2160" b="1"/>
             </a:lvl1pPr>
-            <a:lvl2pPr marL="422910" indent="0">
-              <a:buNone/>
-              <a:defRPr sz="1850" b="1"/>
+            <a:lvl2pPr marL="411480" indent="0">
+              <a:buNone/>
+              <a:defRPr sz="1800" b="1"/>
             </a:lvl2pPr>
-            <a:lvl3pPr marL="845820" indent="0">
-              <a:buNone/>
-              <a:defRPr sz="1665" b="1"/>
+            <a:lvl3pPr marL="822960" indent="0">
+              <a:buNone/>
+              <a:defRPr sz="1620" b="1"/>
             </a:lvl3pPr>
-            <a:lvl4pPr marL="1268730" indent="0">
-              <a:buNone/>
-              <a:defRPr sz="1480" b="1"/>
+            <a:lvl4pPr marL="1234440" indent="0">
+              <a:buNone/>
+              <a:defRPr sz="1440" b="1"/>
             </a:lvl4pPr>
-            <a:lvl5pPr marL="1691640" indent="0">
-              <a:buNone/>
-              <a:defRPr sz="1480" b="1"/>
+            <a:lvl5pPr marL="1645920" indent="0">
+              <a:buNone/>
+              <a:defRPr sz="1440" b="1"/>
             </a:lvl5pPr>
-            <a:lvl6pPr marL="2114550" indent="0">
-              <a:buNone/>
-              <a:defRPr sz="1480" b="1"/>
+            <a:lvl6pPr marL="2057400" indent="0">
+              <a:buNone/>
+              <a:defRPr sz="1440" b="1"/>
             </a:lvl6pPr>
-            <a:lvl7pPr marL="2537460" indent="0">
-              <a:buNone/>
-              <a:defRPr sz="1480" b="1"/>
+            <a:lvl7pPr marL="2468880" indent="0">
+              <a:buNone/>
+              <a:defRPr sz="1440" b="1"/>
             </a:lvl7pPr>
-            <a:lvl8pPr marL="2960370" indent="0">
-              <a:buNone/>
-              <a:defRPr sz="1480" b="1"/>
+            <a:lvl8pPr marL="2880360" indent="0">
+              <a:buNone/>
+              <a:defRPr sz="1440" b="1"/>
             </a:lvl8pPr>
-            <a:lvl9pPr marL="3383280" indent="0">
-              <a:buNone/>
-              <a:defRPr sz="1480" b="1"/>
+            <a:lvl9pPr marL="3291840" indent="0">
+              <a:buNone/>
+              <a:defRPr sz="1440" b="1"/>
             </a:lvl9pPr>
           </a:lstStyle>
           <a:p>
@@ -1863,8 +1863,8 @@
         </p:nvSpPr>
         <p:spPr>
           <a:xfrm>
-            <a:off x="582604" y="3173095"/>
-            <a:ext cx="3578215" cy="4667145"/>
+            <a:off x="566858" y="3173095"/>
+            <a:ext cx="3481506" cy="4667145"/>
           </a:xfrm>
         </p:spPr>
         <p:txBody>
@@ -1920,8 +1920,8 @@
         </p:nvSpPr>
         <p:spPr>
           <a:xfrm>
-            <a:off x="4281964" y="2129473"/>
-            <a:ext cx="3595837" cy="1043622"/>
+            <a:off x="4166235" y="2129473"/>
+            <a:ext cx="3498652" cy="1043622"/>
           </a:xfrm>
         </p:spPr>
         <p:txBody>
@@ -1929,39 +1929,39 @@
           <a:lstStyle>
             <a:lvl1pPr marL="0" indent="0">
               <a:buNone/>
-              <a:defRPr sz="2220" b="1"/>
+              <a:defRPr sz="2160" b="1"/>
             </a:lvl1pPr>
-            <a:lvl2pPr marL="422910" indent="0">
-              <a:buNone/>
-              <a:defRPr sz="1850" b="1"/>
+            <a:lvl2pPr marL="411480" indent="0">
+              <a:buNone/>
+              <a:defRPr sz="1800" b="1"/>
             </a:lvl2pPr>
-            <a:lvl3pPr marL="845820" indent="0">
-              <a:buNone/>
-              <a:defRPr sz="1665" b="1"/>
+            <a:lvl3pPr marL="822960" indent="0">
+              <a:buNone/>
+              <a:defRPr sz="1620" b="1"/>
             </a:lvl3pPr>
-            <a:lvl4pPr marL="1268730" indent="0">
-              <a:buNone/>
-              <a:defRPr sz="1480" b="1"/>
+            <a:lvl4pPr marL="1234440" indent="0">
+              <a:buNone/>
+              <a:defRPr sz="1440" b="1"/>
             </a:lvl4pPr>
-            <a:lvl5pPr marL="1691640" indent="0">
-              <a:buNone/>
-              <a:defRPr sz="1480" b="1"/>
+            <a:lvl5pPr marL="1645920" indent="0">
+              <a:buNone/>
+              <a:defRPr sz="1440" b="1"/>
             </a:lvl5pPr>
-            <a:lvl6pPr marL="2114550" indent="0">
-              <a:buNone/>
-              <a:defRPr sz="1480" b="1"/>
+            <a:lvl6pPr marL="2057400" indent="0">
+              <a:buNone/>
+              <a:defRPr sz="1440" b="1"/>
             </a:lvl6pPr>
-            <a:lvl7pPr marL="2537460" indent="0">
-              <a:buNone/>
-              <a:defRPr sz="1480" b="1"/>
+            <a:lvl7pPr marL="2468880" indent="0">
+              <a:buNone/>
+              <a:defRPr sz="1440" b="1"/>
             </a:lvl7pPr>
-            <a:lvl8pPr marL="2960370" indent="0">
-              <a:buNone/>
-              <a:defRPr sz="1480" b="1"/>
+            <a:lvl8pPr marL="2880360" indent="0">
+              <a:buNone/>
+              <a:defRPr sz="1440" b="1"/>
             </a:lvl8pPr>
-            <a:lvl9pPr marL="3383280" indent="0">
-              <a:buNone/>
-              <a:defRPr sz="1480" b="1"/>
+            <a:lvl9pPr marL="3291840" indent="0">
+              <a:buNone/>
+              <a:defRPr sz="1440" b="1"/>
             </a:lvl9pPr>
           </a:lstStyle>
           <a:p>
@@ -1985,8 +1985,8 @@
         </p:nvSpPr>
         <p:spPr>
           <a:xfrm>
-            <a:off x="4281964" y="3173095"/>
-            <a:ext cx="3595837" cy="4667145"/>
+            <a:off x="4166235" y="3173095"/>
+            <a:ext cx="3498652" cy="4667145"/>
           </a:xfrm>
         </p:spPr>
         <p:txBody>
@@ -2047,7 +2047,7 @@
           <a:p>
             <a:fld id="{3D4FB17C-64C5-814C-8D68-9570E398B727}" type="datetimeFigureOut">
               <a:rPr lang="en-US" smtClean="0"/>
-              <a:t>8/18/21</a:t>
+              <a:t>9/9/21</a:t>
             </a:fld>
             <a:endParaRPr lang="en-US"/>
           </a:p>
@@ -2098,7 +2098,7 @@
     </p:spTree>
     <p:extLst>
       <p:ext uri="{BB962C8B-B14F-4D97-AF65-F5344CB8AC3E}">
-        <p14:creationId xmlns:p14="http://schemas.microsoft.com/office/powerpoint/2010/main" val="905628307"/>
+        <p14:creationId xmlns:p14="http://schemas.microsoft.com/office/powerpoint/2010/main" val="1440748065"/>
       </p:ext>
     </p:extLst>
   </p:cSld>
@@ -2165,7 +2165,7 @@
           <a:p>
             <a:fld id="{3D4FB17C-64C5-814C-8D68-9570E398B727}" type="datetimeFigureOut">
               <a:rPr lang="en-US" smtClean="0"/>
-              <a:t>8/18/21</a:t>
+              <a:t>9/9/21</a:t>
             </a:fld>
             <a:endParaRPr lang="en-US"/>
           </a:p>
@@ -2216,7 +2216,7 @@
     </p:spTree>
     <p:extLst>
       <p:ext uri="{BB962C8B-B14F-4D97-AF65-F5344CB8AC3E}">
-        <p14:creationId xmlns:p14="http://schemas.microsoft.com/office/powerpoint/2010/main" val="2038820841"/>
+        <p14:creationId xmlns:p14="http://schemas.microsoft.com/office/powerpoint/2010/main" val="3043426606"/>
       </p:ext>
     </p:extLst>
   </p:cSld>
@@ -2260,7 +2260,7 @@
           <a:p>
             <a:fld id="{3D4FB17C-64C5-814C-8D68-9570E398B727}" type="datetimeFigureOut">
               <a:rPr lang="en-US" smtClean="0"/>
-              <a:t>8/18/21</a:t>
+              <a:t>9/9/21</a:t>
             </a:fld>
             <a:endParaRPr lang="en-US"/>
           </a:p>
@@ -2311,7 +2311,7 @@
     </p:spTree>
     <p:extLst>
       <p:ext uri="{BB962C8B-B14F-4D97-AF65-F5344CB8AC3E}">
-        <p14:creationId xmlns:p14="http://schemas.microsoft.com/office/powerpoint/2010/main" val="2010499668"/>
+        <p14:creationId xmlns:p14="http://schemas.microsoft.com/office/powerpoint/2010/main" val="2263429942"/>
       </p:ext>
     </p:extLst>
   </p:cSld>
@@ -2350,15 +2350,15 @@
         </p:nvSpPr>
         <p:spPr>
           <a:xfrm>
-            <a:off x="582603" y="579120"/>
-            <a:ext cx="2727990" cy="2026920"/>
+            <a:off x="566857" y="579120"/>
+            <a:ext cx="2654260" cy="2026920"/>
           </a:xfrm>
         </p:spPr>
         <p:txBody>
           <a:bodyPr anchor="b"/>
           <a:lstStyle>
             <a:lvl1pPr>
-              <a:defRPr sz="2960"/>
+              <a:defRPr sz="2880"/>
             </a:lvl1pPr>
           </a:lstStyle>
           <a:p>
@@ -2382,39 +2382,39 @@
         </p:nvSpPr>
         <p:spPr>
           <a:xfrm>
-            <a:off x="3595837" y="1250740"/>
-            <a:ext cx="4281964" cy="6173258"/>
+            <a:off x="3498652" y="1250740"/>
+            <a:ext cx="4166235" cy="6173258"/>
           </a:xfrm>
         </p:spPr>
         <p:txBody>
           <a:bodyPr/>
           <a:lstStyle>
             <a:lvl1pPr>
-              <a:defRPr sz="2960"/>
+              <a:defRPr sz="2880"/>
             </a:lvl1pPr>
             <a:lvl2pPr>
-              <a:defRPr sz="2590"/>
+              <a:defRPr sz="2520"/>
             </a:lvl2pPr>
             <a:lvl3pPr>
-              <a:defRPr sz="2220"/>
+              <a:defRPr sz="2160"/>
             </a:lvl3pPr>
             <a:lvl4pPr>
-              <a:defRPr sz="1850"/>
+              <a:defRPr sz="1800"/>
             </a:lvl4pPr>
             <a:lvl5pPr>
-              <a:defRPr sz="1850"/>
+              <a:defRPr sz="1800"/>
             </a:lvl5pPr>
             <a:lvl6pPr>
-              <a:defRPr sz="1850"/>
+              <a:defRPr sz="1800"/>
             </a:lvl6pPr>
             <a:lvl7pPr>
-              <a:defRPr sz="1850"/>
+              <a:defRPr sz="1800"/>
             </a:lvl7pPr>
             <a:lvl8pPr>
-              <a:defRPr sz="1850"/>
+              <a:defRPr sz="1800"/>
             </a:lvl8pPr>
             <a:lvl9pPr>
-              <a:defRPr sz="1850"/>
+              <a:defRPr sz="1800"/>
             </a:lvl9pPr>
           </a:lstStyle>
           <a:p>
@@ -2467,8 +2467,8 @@
         </p:nvSpPr>
         <p:spPr>
           <a:xfrm>
-            <a:off x="582603" y="2606040"/>
-            <a:ext cx="2727990" cy="4828011"/>
+            <a:off x="566857" y="2606040"/>
+            <a:ext cx="2654260" cy="4828011"/>
           </a:xfrm>
         </p:spPr>
         <p:txBody>
@@ -2476,39 +2476,39 @@
           <a:lstStyle>
             <a:lvl1pPr marL="0" indent="0">
               <a:buNone/>
-              <a:defRPr sz="1480"/>
+              <a:defRPr sz="1440"/>
             </a:lvl1pPr>
-            <a:lvl2pPr marL="422910" indent="0">
-              <a:buNone/>
-              <a:defRPr sz="1295"/>
+            <a:lvl2pPr marL="411480" indent="0">
+              <a:buNone/>
+              <a:defRPr sz="1260"/>
             </a:lvl2pPr>
-            <a:lvl3pPr marL="845820" indent="0">
-              <a:buNone/>
-              <a:defRPr sz="1110"/>
+            <a:lvl3pPr marL="822960" indent="0">
+              <a:buNone/>
+              <a:defRPr sz="1080"/>
             </a:lvl3pPr>
-            <a:lvl4pPr marL="1268730" indent="0">
-              <a:buNone/>
-              <a:defRPr sz="925"/>
+            <a:lvl4pPr marL="1234440" indent="0">
+              <a:buNone/>
+              <a:defRPr sz="900"/>
             </a:lvl4pPr>
-            <a:lvl5pPr marL="1691640" indent="0">
-              <a:buNone/>
-              <a:defRPr sz="925"/>
+            <a:lvl5pPr marL="1645920" indent="0">
+              <a:buNone/>
+              <a:defRPr sz="900"/>
             </a:lvl5pPr>
-            <a:lvl6pPr marL="2114550" indent="0">
-              <a:buNone/>
-              <a:defRPr sz="925"/>
+            <a:lvl6pPr marL="2057400" indent="0">
+              <a:buNone/>
+              <a:defRPr sz="900"/>
             </a:lvl6pPr>
-            <a:lvl7pPr marL="2537460" indent="0">
-              <a:buNone/>
-              <a:defRPr sz="925"/>
+            <a:lvl7pPr marL="2468880" indent="0">
+              <a:buNone/>
+              <a:defRPr sz="900"/>
             </a:lvl7pPr>
-            <a:lvl8pPr marL="2960370" indent="0">
-              <a:buNone/>
-              <a:defRPr sz="925"/>
+            <a:lvl8pPr marL="2880360" indent="0">
+              <a:buNone/>
+              <a:defRPr sz="900"/>
             </a:lvl8pPr>
-            <a:lvl9pPr marL="3383280" indent="0">
-              <a:buNone/>
-              <a:defRPr sz="925"/>
+            <a:lvl9pPr marL="3291840" indent="0">
+              <a:buNone/>
+              <a:defRPr sz="900"/>
             </a:lvl9pPr>
           </a:lstStyle>
           <a:p>
@@ -2537,7 +2537,7 @@
           <a:p>
             <a:fld id="{3D4FB17C-64C5-814C-8D68-9570E398B727}" type="datetimeFigureOut">
               <a:rPr lang="en-US" smtClean="0"/>
-              <a:t>8/18/21</a:t>
+              <a:t>9/9/21</a:t>
             </a:fld>
             <a:endParaRPr lang="en-US"/>
           </a:p>
@@ -2588,7 +2588,7 @@
     </p:spTree>
     <p:extLst>
       <p:ext uri="{BB962C8B-B14F-4D97-AF65-F5344CB8AC3E}">
-        <p14:creationId xmlns:p14="http://schemas.microsoft.com/office/powerpoint/2010/main" val="3153880985"/>
+        <p14:creationId xmlns:p14="http://schemas.microsoft.com/office/powerpoint/2010/main" val="4021804821"/>
       </p:ext>
     </p:extLst>
   </p:cSld>
@@ -2627,15 +2627,15 @@
         </p:nvSpPr>
         <p:spPr>
           <a:xfrm>
-            <a:off x="582603" y="579120"/>
-            <a:ext cx="2727990" cy="2026920"/>
+            <a:off x="566857" y="579120"/>
+            <a:ext cx="2654260" cy="2026920"/>
           </a:xfrm>
         </p:spPr>
         <p:txBody>
           <a:bodyPr anchor="b"/>
           <a:lstStyle>
             <a:lvl1pPr>
-              <a:defRPr sz="2960"/>
+              <a:defRPr sz="2880"/>
             </a:lvl1pPr>
           </a:lstStyle>
           <a:p>
@@ -2659,8 +2659,8 @@
         </p:nvSpPr>
         <p:spPr>
           <a:xfrm>
-            <a:off x="3595837" y="1250740"/>
-            <a:ext cx="4281964" cy="6173258"/>
+            <a:off x="3498652" y="1250740"/>
+            <a:ext cx="4166235" cy="6173258"/>
           </a:xfrm>
         </p:spPr>
         <p:txBody>
@@ -2668,39 +2668,39 @@
           <a:lstStyle>
             <a:lvl1pPr marL="0" indent="0">
               <a:buNone/>
-              <a:defRPr sz="2960"/>
+              <a:defRPr sz="2880"/>
             </a:lvl1pPr>
-            <a:lvl2pPr marL="422910" indent="0">
-              <a:buNone/>
-              <a:defRPr sz="2590"/>
+            <a:lvl2pPr marL="411480" indent="0">
+              <a:buNone/>
+              <a:defRPr sz="2520"/>
             </a:lvl2pPr>
-            <a:lvl3pPr marL="845820" indent="0">
-              <a:buNone/>
-              <a:defRPr sz="2220"/>
+            <a:lvl3pPr marL="822960" indent="0">
+              <a:buNone/>
+              <a:defRPr sz="2160"/>
             </a:lvl3pPr>
-            <a:lvl4pPr marL="1268730" indent="0">
-              <a:buNone/>
-              <a:defRPr sz="1850"/>
+            <a:lvl4pPr marL="1234440" indent="0">
+              <a:buNone/>
+              <a:defRPr sz="1800"/>
             </a:lvl4pPr>
-            <a:lvl5pPr marL="1691640" indent="0">
-              <a:buNone/>
-              <a:defRPr sz="1850"/>
+            <a:lvl5pPr marL="1645920" indent="0">
+              <a:buNone/>
+              <a:defRPr sz="1800"/>
             </a:lvl5pPr>
-            <a:lvl6pPr marL="2114550" indent="0">
-              <a:buNone/>
-              <a:defRPr sz="1850"/>
+            <a:lvl6pPr marL="2057400" indent="0">
+              <a:buNone/>
+              <a:defRPr sz="1800"/>
             </a:lvl6pPr>
-            <a:lvl7pPr marL="2537460" indent="0">
-              <a:buNone/>
-              <a:defRPr sz="1850"/>
+            <a:lvl7pPr marL="2468880" indent="0">
+              <a:buNone/>
+              <a:defRPr sz="1800"/>
             </a:lvl7pPr>
-            <a:lvl8pPr marL="2960370" indent="0">
-              <a:buNone/>
-              <a:defRPr sz="1850"/>
+            <a:lvl8pPr marL="2880360" indent="0">
+              <a:buNone/>
+              <a:defRPr sz="1800"/>
             </a:lvl8pPr>
-            <a:lvl9pPr marL="3383280" indent="0">
-              <a:buNone/>
-              <a:defRPr sz="1850"/>
+            <a:lvl9pPr marL="3291840" indent="0">
+              <a:buNone/>
+              <a:defRPr sz="1800"/>
             </a:lvl9pPr>
           </a:lstStyle>
           <a:p>
@@ -2724,8 +2724,8 @@
         </p:nvSpPr>
         <p:spPr>
           <a:xfrm>
-            <a:off x="582603" y="2606040"/>
-            <a:ext cx="2727990" cy="4828011"/>
+            <a:off x="566857" y="2606040"/>
+            <a:ext cx="2654260" cy="4828011"/>
           </a:xfrm>
         </p:spPr>
         <p:txBody>
@@ -2733,39 +2733,39 @@
           <a:lstStyle>
             <a:lvl1pPr marL="0" indent="0">
               <a:buNone/>
-              <a:defRPr sz="1480"/>
+              <a:defRPr sz="1440"/>
             </a:lvl1pPr>
-            <a:lvl2pPr marL="422910" indent="0">
-              <a:buNone/>
-              <a:defRPr sz="1295"/>
+            <a:lvl2pPr marL="411480" indent="0">
+              <a:buNone/>
+              <a:defRPr sz="1260"/>
             </a:lvl2pPr>
-            <a:lvl3pPr marL="845820" indent="0">
-              <a:buNone/>
-              <a:defRPr sz="1110"/>
+            <a:lvl3pPr marL="822960" indent="0">
+              <a:buNone/>
+              <a:defRPr sz="1080"/>
             </a:lvl3pPr>
-            <a:lvl4pPr marL="1268730" indent="0">
-              <a:buNone/>
-              <a:defRPr sz="925"/>
+            <a:lvl4pPr marL="1234440" indent="0">
+              <a:buNone/>
+              <a:defRPr sz="900"/>
             </a:lvl4pPr>
-            <a:lvl5pPr marL="1691640" indent="0">
-              <a:buNone/>
-              <a:defRPr sz="925"/>
+            <a:lvl5pPr marL="1645920" indent="0">
+              <a:buNone/>
+              <a:defRPr sz="900"/>
             </a:lvl5pPr>
-            <a:lvl6pPr marL="2114550" indent="0">
-              <a:buNone/>
-              <a:defRPr sz="925"/>
+            <a:lvl6pPr marL="2057400" indent="0">
+              <a:buNone/>
+              <a:defRPr sz="900"/>
             </a:lvl6pPr>
-            <a:lvl7pPr marL="2537460" indent="0">
-              <a:buNone/>
-              <a:defRPr sz="925"/>
+            <a:lvl7pPr marL="2468880" indent="0">
+              <a:buNone/>
+              <a:defRPr sz="900"/>
             </a:lvl7pPr>
-            <a:lvl8pPr marL="2960370" indent="0">
-              <a:buNone/>
-              <a:defRPr sz="925"/>
+            <a:lvl8pPr marL="2880360" indent="0">
+              <a:buNone/>
+              <a:defRPr sz="900"/>
             </a:lvl8pPr>
-            <a:lvl9pPr marL="3383280" indent="0">
-              <a:buNone/>
-              <a:defRPr sz="925"/>
+            <a:lvl9pPr marL="3291840" indent="0">
+              <a:buNone/>
+              <a:defRPr sz="900"/>
             </a:lvl9pPr>
           </a:lstStyle>
           <a:p>
@@ -2794,7 +2794,7 @@
           <a:p>
             <a:fld id="{3D4FB17C-64C5-814C-8D68-9570E398B727}" type="datetimeFigureOut">
               <a:rPr lang="en-US" smtClean="0"/>
-              <a:t>8/18/21</a:t>
+              <a:t>9/9/21</a:t>
             </a:fld>
             <a:endParaRPr lang="en-US"/>
           </a:p>
@@ -2845,7 +2845,7 @@
     </p:spTree>
     <p:extLst>
       <p:ext uri="{BB962C8B-B14F-4D97-AF65-F5344CB8AC3E}">
-        <p14:creationId xmlns:p14="http://schemas.microsoft.com/office/powerpoint/2010/main" val="1741312558"/>
+        <p14:creationId xmlns:p14="http://schemas.microsoft.com/office/powerpoint/2010/main" val="2626005724"/>
       </p:ext>
     </p:extLst>
   </p:cSld>
@@ -2889,8 +2889,8 @@
         </p:nvSpPr>
         <p:spPr>
           <a:xfrm>
-            <a:off x="581501" y="462494"/>
-            <a:ext cx="7295198" cy="1679046"/>
+            <a:off x="565785" y="462494"/>
+            <a:ext cx="7098030" cy="1679046"/>
           </a:xfrm>
           <a:prstGeom prst="rect">
             <a:avLst/>
@@ -2922,8 +2922,8 @@
         </p:nvSpPr>
         <p:spPr>
           <a:xfrm>
-            <a:off x="581501" y="2312458"/>
-            <a:ext cx="7295198" cy="5511695"/>
+            <a:off x="565785" y="2312458"/>
+            <a:ext cx="7098030" cy="5511695"/>
           </a:xfrm>
           <a:prstGeom prst="rect">
             <a:avLst/>
@@ -2984,8 +2984,8 @@
         </p:nvSpPr>
         <p:spPr>
           <a:xfrm>
-            <a:off x="581501" y="8051378"/>
-            <a:ext cx="1903095" cy="462492"/>
+            <a:off x="565785" y="8051378"/>
+            <a:ext cx="1851660" cy="462492"/>
           </a:xfrm>
           <a:prstGeom prst="rect">
             <a:avLst/>
@@ -2995,7 +2995,7 @@
           <a:bodyPr vert="horz" lIns="91440" tIns="45720" rIns="91440" bIns="45720" rtlCol="0" anchor="ctr"/>
           <a:lstStyle>
             <a:lvl1pPr algn="l">
-              <a:defRPr sz="1110">
+              <a:defRPr sz="1080">
                 <a:solidFill>
                   <a:schemeClr val="tx1">
                     <a:tint val="75000"/>
@@ -3007,7 +3007,7 @@
           <a:p>
             <a:fld id="{3D4FB17C-64C5-814C-8D68-9570E398B727}" type="datetimeFigureOut">
               <a:rPr lang="en-US" smtClean="0"/>
-              <a:t>8/18/21</a:t>
+              <a:t>9/9/21</a:t>
             </a:fld>
             <a:endParaRPr lang="en-US"/>
           </a:p>
@@ -3025,8 +3025,8 @@
         </p:nvSpPr>
         <p:spPr>
           <a:xfrm>
-            <a:off x="2801779" y="8051378"/>
-            <a:ext cx="2854643" cy="462492"/>
+            <a:off x="2726055" y="8051378"/>
+            <a:ext cx="2777490" cy="462492"/>
           </a:xfrm>
           <a:prstGeom prst="rect">
             <a:avLst/>
@@ -3036,7 +3036,7 @@
           <a:bodyPr vert="horz" lIns="91440" tIns="45720" rIns="91440" bIns="45720" rtlCol="0" anchor="ctr"/>
           <a:lstStyle>
             <a:lvl1pPr algn="ctr">
-              <a:defRPr sz="1110">
+              <a:defRPr sz="1080">
                 <a:solidFill>
                   <a:schemeClr val="tx1">
                     <a:tint val="75000"/>
@@ -3062,8 +3062,8 @@
         </p:nvSpPr>
         <p:spPr>
           <a:xfrm>
-            <a:off x="5973604" y="8051378"/>
-            <a:ext cx="1903095" cy="462492"/>
+            <a:off x="5812155" y="8051378"/>
+            <a:ext cx="1851660" cy="462492"/>
           </a:xfrm>
           <a:prstGeom prst="rect">
             <a:avLst/>
@@ -3073,7 +3073,7 @@
           <a:bodyPr vert="horz" lIns="91440" tIns="45720" rIns="91440" bIns="45720" rtlCol="0" anchor="ctr"/>
           <a:lstStyle>
             <a:lvl1pPr algn="r">
-              <a:defRPr sz="1110">
+              <a:defRPr sz="1080">
                 <a:solidFill>
                   <a:schemeClr val="tx1">
                     <a:tint val="75000"/>
@@ -3094,27 +3094,27 @@
     </p:spTree>
     <p:extLst>
       <p:ext uri="{BB962C8B-B14F-4D97-AF65-F5344CB8AC3E}">
-        <p14:creationId xmlns:p14="http://schemas.microsoft.com/office/powerpoint/2010/main" val="2031047479"/>
+        <p14:creationId xmlns:p14="http://schemas.microsoft.com/office/powerpoint/2010/main" val="3608815207"/>
       </p:ext>
     </p:extLst>
   </p:cSld>
   <p:clrMap bg1="lt1" tx1="dk1" bg2="lt2" tx2="dk2" accent1="accent1" accent2="accent2" accent3="accent3" accent4="accent4" accent5="accent5" accent6="accent6" hlink="hlink" folHlink="folHlink"/>
   <p:sldLayoutIdLst>
-    <p:sldLayoutId id="2147483721" r:id="rId1"/>
-    <p:sldLayoutId id="2147483722" r:id="rId2"/>
-    <p:sldLayoutId id="2147483723" r:id="rId3"/>
-    <p:sldLayoutId id="2147483724" r:id="rId4"/>
-    <p:sldLayoutId id="2147483725" r:id="rId5"/>
-    <p:sldLayoutId id="2147483726" r:id="rId6"/>
-    <p:sldLayoutId id="2147483727" r:id="rId7"/>
-    <p:sldLayoutId id="2147483728" r:id="rId8"/>
-    <p:sldLayoutId id="2147483729" r:id="rId9"/>
-    <p:sldLayoutId id="2147483730" r:id="rId10"/>
-    <p:sldLayoutId id="2147483731" r:id="rId11"/>
+    <p:sldLayoutId id="2147483733" r:id="rId1"/>
+    <p:sldLayoutId id="2147483734" r:id="rId2"/>
+    <p:sldLayoutId id="2147483735" r:id="rId3"/>
+    <p:sldLayoutId id="2147483736" r:id="rId4"/>
+    <p:sldLayoutId id="2147483737" r:id="rId5"/>
+    <p:sldLayoutId id="2147483738" r:id="rId6"/>
+    <p:sldLayoutId id="2147483739" r:id="rId7"/>
+    <p:sldLayoutId id="2147483740" r:id="rId8"/>
+    <p:sldLayoutId id="2147483741" r:id="rId9"/>
+    <p:sldLayoutId id="2147483742" r:id="rId10"/>
+    <p:sldLayoutId id="2147483743" r:id="rId11"/>
   </p:sldLayoutIdLst>
   <p:txStyles>
     <p:titleStyle>
-      <a:lvl1pPr algn="l" defTabSz="845820" rtl="0" eaLnBrk="1" latinLnBrk="0" hangingPunct="1">
+      <a:lvl1pPr algn="l" defTabSz="822960" rtl="0" eaLnBrk="1" latinLnBrk="0" hangingPunct="1">
         <a:lnSpc>
           <a:spcPct val="90000"/>
         </a:lnSpc>
@@ -3122,7 +3122,7 @@
           <a:spcPct val="0"/>
         </a:spcBef>
         <a:buNone/>
-        <a:defRPr sz="4070" kern="1200">
+        <a:defRPr sz="3960" kern="1200">
           <a:solidFill>
             <a:schemeClr val="tx1"/>
           </a:solidFill>
@@ -3133,16 +3133,16 @@
       </a:lvl1pPr>
     </p:titleStyle>
     <p:bodyStyle>
-      <a:lvl1pPr marL="211455" indent="-211455" algn="l" defTabSz="845820" rtl="0" eaLnBrk="1" latinLnBrk="0" hangingPunct="1">
+      <a:lvl1pPr marL="205740" indent="-205740" algn="l" defTabSz="822960" rtl="0" eaLnBrk="1" latinLnBrk="0" hangingPunct="1">
         <a:lnSpc>
           <a:spcPct val="90000"/>
         </a:lnSpc>
         <a:spcBef>
-          <a:spcPts val="925"/>
+          <a:spcPts val="900"/>
         </a:spcBef>
         <a:buFont typeface="Arial" panose="020B0604020202020204" pitchFamily="34" charset="0"/>
         <a:buChar char="•"/>
-        <a:defRPr sz="2590" kern="1200">
+        <a:defRPr sz="2520" kern="1200">
           <a:solidFill>
             <a:schemeClr val="tx1"/>
           </a:solidFill>
@@ -3151,16 +3151,16 @@
           <a:cs typeface="+mn-cs"/>
         </a:defRPr>
       </a:lvl1pPr>
-      <a:lvl2pPr marL="634365" indent="-211455" algn="l" defTabSz="845820" rtl="0" eaLnBrk="1" latinLnBrk="0" hangingPunct="1">
+      <a:lvl2pPr marL="617220" indent="-205740" algn="l" defTabSz="822960" rtl="0" eaLnBrk="1" latinLnBrk="0" hangingPunct="1">
         <a:lnSpc>
           <a:spcPct val="90000"/>
         </a:lnSpc>
         <a:spcBef>
-          <a:spcPts val="463"/>
+          <a:spcPts val="450"/>
         </a:spcBef>
         <a:buFont typeface="Arial" panose="020B0604020202020204" pitchFamily="34" charset="0"/>
         <a:buChar char="•"/>
-        <a:defRPr sz="2220" kern="1200">
+        <a:defRPr sz="2160" kern="1200">
           <a:solidFill>
             <a:schemeClr val="tx1"/>
           </a:solidFill>
@@ -3169,16 +3169,16 @@
           <a:cs typeface="+mn-cs"/>
         </a:defRPr>
       </a:lvl2pPr>
-      <a:lvl3pPr marL="1057275" indent="-211455" algn="l" defTabSz="845820" rtl="0" eaLnBrk="1" latinLnBrk="0" hangingPunct="1">
+      <a:lvl3pPr marL="1028700" indent="-205740" algn="l" defTabSz="822960" rtl="0" eaLnBrk="1" latinLnBrk="0" hangingPunct="1">
         <a:lnSpc>
           <a:spcPct val="90000"/>
         </a:lnSpc>
         <a:spcBef>
-          <a:spcPts val="463"/>
+          <a:spcPts val="450"/>
         </a:spcBef>
         <a:buFont typeface="Arial" panose="020B0604020202020204" pitchFamily="34" charset="0"/>
         <a:buChar char="•"/>
-        <a:defRPr sz="1850" kern="1200">
+        <a:defRPr sz="1800" kern="1200">
           <a:solidFill>
             <a:schemeClr val="tx1"/>
           </a:solidFill>
@@ -3187,16 +3187,16 @@
           <a:cs typeface="+mn-cs"/>
         </a:defRPr>
       </a:lvl3pPr>
-      <a:lvl4pPr marL="1480185" indent="-211455" algn="l" defTabSz="845820" rtl="0" eaLnBrk="1" latinLnBrk="0" hangingPunct="1">
+      <a:lvl4pPr marL="1440180" indent="-205740" algn="l" defTabSz="822960" rtl="0" eaLnBrk="1" latinLnBrk="0" hangingPunct="1">
         <a:lnSpc>
           <a:spcPct val="90000"/>
         </a:lnSpc>
         <a:spcBef>
-          <a:spcPts val="463"/>
+          <a:spcPts val="450"/>
         </a:spcBef>
         <a:buFont typeface="Arial" panose="020B0604020202020204" pitchFamily="34" charset="0"/>
         <a:buChar char="•"/>
-        <a:defRPr sz="1665" kern="1200">
+        <a:defRPr sz="1620" kern="1200">
           <a:solidFill>
             <a:schemeClr val="tx1"/>
           </a:solidFill>
@@ -3205,16 +3205,16 @@
           <a:cs typeface="+mn-cs"/>
         </a:defRPr>
       </a:lvl4pPr>
-      <a:lvl5pPr marL="1903095" indent="-211455" algn="l" defTabSz="845820" rtl="0" eaLnBrk="1" latinLnBrk="0" hangingPunct="1">
+      <a:lvl5pPr marL="1851660" indent="-205740" algn="l" defTabSz="822960" rtl="0" eaLnBrk="1" latinLnBrk="0" hangingPunct="1">
         <a:lnSpc>
           <a:spcPct val="90000"/>
         </a:lnSpc>
         <a:spcBef>
-          <a:spcPts val="463"/>
+          <a:spcPts val="450"/>
         </a:spcBef>
         <a:buFont typeface="Arial" panose="020B0604020202020204" pitchFamily="34" charset="0"/>
         <a:buChar char="•"/>
-        <a:defRPr sz="1665" kern="1200">
+        <a:defRPr sz="1620" kern="1200">
           <a:solidFill>
             <a:schemeClr val="tx1"/>
           </a:solidFill>
@@ -3223,16 +3223,16 @@
           <a:cs typeface="+mn-cs"/>
         </a:defRPr>
       </a:lvl5pPr>
-      <a:lvl6pPr marL="2326005" indent="-211455" algn="l" defTabSz="845820" rtl="0" eaLnBrk="1" latinLnBrk="0" hangingPunct="1">
+      <a:lvl6pPr marL="2263140" indent="-205740" algn="l" defTabSz="822960" rtl="0" eaLnBrk="1" latinLnBrk="0" hangingPunct="1">
         <a:lnSpc>
           <a:spcPct val="90000"/>
         </a:lnSpc>
         <a:spcBef>
-          <a:spcPts val="463"/>
+          <a:spcPts val="450"/>
         </a:spcBef>
         <a:buFont typeface="Arial" panose="020B0604020202020204" pitchFamily="34" charset="0"/>
         <a:buChar char="•"/>
-        <a:defRPr sz="1665" kern="1200">
+        <a:defRPr sz="1620" kern="1200">
           <a:solidFill>
             <a:schemeClr val="tx1"/>
           </a:solidFill>
@@ -3241,16 +3241,16 @@
           <a:cs typeface="+mn-cs"/>
         </a:defRPr>
       </a:lvl6pPr>
-      <a:lvl7pPr marL="2748915" indent="-211455" algn="l" defTabSz="845820" rtl="0" eaLnBrk="1" latinLnBrk="0" hangingPunct="1">
+      <a:lvl7pPr marL="2674620" indent="-205740" algn="l" defTabSz="822960" rtl="0" eaLnBrk="1" latinLnBrk="0" hangingPunct="1">
         <a:lnSpc>
           <a:spcPct val="90000"/>
         </a:lnSpc>
         <a:spcBef>
-          <a:spcPts val="463"/>
+          <a:spcPts val="450"/>
         </a:spcBef>
         <a:buFont typeface="Arial" panose="020B0604020202020204" pitchFamily="34" charset="0"/>
         <a:buChar char="•"/>
-        <a:defRPr sz="1665" kern="1200">
+        <a:defRPr sz="1620" kern="1200">
           <a:solidFill>
             <a:schemeClr val="tx1"/>
           </a:solidFill>
@@ -3259,16 +3259,16 @@
           <a:cs typeface="+mn-cs"/>
         </a:defRPr>
       </a:lvl7pPr>
-      <a:lvl8pPr marL="3171825" indent="-211455" algn="l" defTabSz="845820" rtl="0" eaLnBrk="1" latinLnBrk="0" hangingPunct="1">
+      <a:lvl8pPr marL="3086100" indent="-205740" algn="l" defTabSz="822960" rtl="0" eaLnBrk="1" latinLnBrk="0" hangingPunct="1">
         <a:lnSpc>
           <a:spcPct val="90000"/>
         </a:lnSpc>
         <a:spcBef>
-          <a:spcPts val="463"/>
+          <a:spcPts val="450"/>
         </a:spcBef>
         <a:buFont typeface="Arial" panose="020B0604020202020204" pitchFamily="34" charset="0"/>
         <a:buChar char="•"/>
-        <a:defRPr sz="1665" kern="1200">
+        <a:defRPr sz="1620" kern="1200">
           <a:solidFill>
             <a:schemeClr val="tx1"/>
           </a:solidFill>
@@ -3277,16 +3277,16 @@
           <a:cs typeface="+mn-cs"/>
         </a:defRPr>
       </a:lvl8pPr>
-      <a:lvl9pPr marL="3594735" indent="-211455" algn="l" defTabSz="845820" rtl="0" eaLnBrk="1" latinLnBrk="0" hangingPunct="1">
+      <a:lvl9pPr marL="3497580" indent="-205740" algn="l" defTabSz="822960" rtl="0" eaLnBrk="1" latinLnBrk="0" hangingPunct="1">
         <a:lnSpc>
           <a:spcPct val="90000"/>
         </a:lnSpc>
         <a:spcBef>
-          <a:spcPts val="463"/>
+          <a:spcPts val="450"/>
         </a:spcBef>
         <a:buFont typeface="Arial" panose="020B0604020202020204" pitchFamily="34" charset="0"/>
         <a:buChar char="•"/>
-        <a:defRPr sz="1665" kern="1200">
+        <a:defRPr sz="1620" kern="1200">
           <a:solidFill>
             <a:schemeClr val="tx1"/>
           </a:solidFill>
@@ -3300,8 +3300,8 @@
       <a:defPPr>
         <a:defRPr lang="en-US"/>
       </a:defPPr>
-      <a:lvl1pPr marL="0" algn="l" defTabSz="845820" rtl="0" eaLnBrk="1" latinLnBrk="0" hangingPunct="1">
-        <a:defRPr sz="1665" kern="1200">
+      <a:lvl1pPr marL="0" algn="l" defTabSz="822960" rtl="0" eaLnBrk="1" latinLnBrk="0" hangingPunct="1">
+        <a:defRPr sz="1620" kern="1200">
           <a:solidFill>
             <a:schemeClr val="tx1"/>
           </a:solidFill>
@@ -3310,8 +3310,8 @@
           <a:cs typeface="+mn-cs"/>
         </a:defRPr>
       </a:lvl1pPr>
-      <a:lvl2pPr marL="422910" algn="l" defTabSz="845820" rtl="0" eaLnBrk="1" latinLnBrk="0" hangingPunct="1">
-        <a:defRPr sz="1665" kern="1200">
+      <a:lvl2pPr marL="411480" algn="l" defTabSz="822960" rtl="0" eaLnBrk="1" latinLnBrk="0" hangingPunct="1">
+        <a:defRPr sz="1620" kern="1200">
           <a:solidFill>
             <a:schemeClr val="tx1"/>
           </a:solidFill>
@@ -3320,8 +3320,8 @@
           <a:cs typeface="+mn-cs"/>
         </a:defRPr>
       </a:lvl2pPr>
-      <a:lvl3pPr marL="845820" algn="l" defTabSz="845820" rtl="0" eaLnBrk="1" latinLnBrk="0" hangingPunct="1">
-        <a:defRPr sz="1665" kern="1200">
+      <a:lvl3pPr marL="822960" algn="l" defTabSz="822960" rtl="0" eaLnBrk="1" latinLnBrk="0" hangingPunct="1">
+        <a:defRPr sz="1620" kern="1200">
           <a:solidFill>
             <a:schemeClr val="tx1"/>
           </a:solidFill>
@@ -3330,8 +3330,8 @@
           <a:cs typeface="+mn-cs"/>
         </a:defRPr>
       </a:lvl3pPr>
-      <a:lvl4pPr marL="1268730" algn="l" defTabSz="845820" rtl="0" eaLnBrk="1" latinLnBrk="0" hangingPunct="1">
-        <a:defRPr sz="1665" kern="1200">
+      <a:lvl4pPr marL="1234440" algn="l" defTabSz="822960" rtl="0" eaLnBrk="1" latinLnBrk="0" hangingPunct="1">
+        <a:defRPr sz="1620" kern="1200">
           <a:solidFill>
             <a:schemeClr val="tx1"/>
           </a:solidFill>
@@ -3340,8 +3340,8 @@
           <a:cs typeface="+mn-cs"/>
         </a:defRPr>
       </a:lvl4pPr>
-      <a:lvl5pPr marL="1691640" algn="l" defTabSz="845820" rtl="0" eaLnBrk="1" latinLnBrk="0" hangingPunct="1">
-        <a:defRPr sz="1665" kern="1200">
+      <a:lvl5pPr marL="1645920" algn="l" defTabSz="822960" rtl="0" eaLnBrk="1" latinLnBrk="0" hangingPunct="1">
+        <a:defRPr sz="1620" kern="1200">
           <a:solidFill>
             <a:schemeClr val="tx1"/>
           </a:solidFill>
@@ -3350,8 +3350,8 @@
           <a:cs typeface="+mn-cs"/>
         </a:defRPr>
       </a:lvl5pPr>
-      <a:lvl6pPr marL="2114550" algn="l" defTabSz="845820" rtl="0" eaLnBrk="1" latinLnBrk="0" hangingPunct="1">
-        <a:defRPr sz="1665" kern="1200">
+      <a:lvl6pPr marL="2057400" algn="l" defTabSz="822960" rtl="0" eaLnBrk="1" latinLnBrk="0" hangingPunct="1">
+        <a:defRPr sz="1620" kern="1200">
           <a:solidFill>
             <a:schemeClr val="tx1"/>
           </a:solidFill>
@@ -3360,8 +3360,8 @@
           <a:cs typeface="+mn-cs"/>
         </a:defRPr>
       </a:lvl6pPr>
-      <a:lvl7pPr marL="2537460" algn="l" defTabSz="845820" rtl="0" eaLnBrk="1" latinLnBrk="0" hangingPunct="1">
-        <a:defRPr sz="1665" kern="1200">
+      <a:lvl7pPr marL="2468880" algn="l" defTabSz="822960" rtl="0" eaLnBrk="1" latinLnBrk="0" hangingPunct="1">
+        <a:defRPr sz="1620" kern="1200">
           <a:solidFill>
             <a:schemeClr val="tx1"/>
           </a:solidFill>
@@ -3370,8 +3370,8 @@
           <a:cs typeface="+mn-cs"/>
         </a:defRPr>
       </a:lvl7pPr>
-      <a:lvl8pPr marL="2960370" algn="l" defTabSz="845820" rtl="0" eaLnBrk="1" latinLnBrk="0" hangingPunct="1">
-        <a:defRPr sz="1665" kern="1200">
+      <a:lvl8pPr marL="2880360" algn="l" defTabSz="822960" rtl="0" eaLnBrk="1" latinLnBrk="0" hangingPunct="1">
+        <a:defRPr sz="1620" kern="1200">
           <a:solidFill>
             <a:schemeClr val="tx1"/>
           </a:solidFill>
@@ -3380,8 +3380,8 @@
           <a:cs typeface="+mn-cs"/>
         </a:defRPr>
       </a:lvl8pPr>
-      <a:lvl9pPr marL="3383280" algn="l" defTabSz="845820" rtl="0" eaLnBrk="1" latinLnBrk="0" hangingPunct="1">
-        <a:defRPr sz="1665" kern="1200">
+      <a:lvl9pPr marL="3291840" algn="l" defTabSz="822960" rtl="0" eaLnBrk="1" latinLnBrk="0" hangingPunct="1">
+        <a:defRPr sz="1620" kern="1200">
           <a:solidFill>
             <a:schemeClr val="tx1"/>
           </a:solidFill>
@@ -3414,10 +3414,10 @@
       </p:grpSpPr>
       <p:pic>
         <p:nvPicPr>
-          <p:cNvPr id="5" name="Picture 4">
+          <p:cNvPr id="23" name="Picture 22">
             <a:extLst>
               <a:ext uri="{FF2B5EF4-FFF2-40B4-BE49-F238E27FC236}">
-                <a16:creationId xmlns:a16="http://schemas.microsoft.com/office/drawing/2014/main" id="{EA2D6D78-2C1B-0947-9A48-062B37018252}"/>
+                <a16:creationId xmlns:a16="http://schemas.microsoft.com/office/drawing/2014/main" id="{1A9FF145-8DE4-8F49-B775-ECE5B30E191A}"/>
               </a:ext>
             </a:extLst>
           </p:cNvPr>
@@ -3428,13 +3428,13 @@
         </p:nvPicPr>
         <p:blipFill rotWithShape="1">
           <a:blip r:embed="rId3"/>
-          <a:srcRect t="49000" b="24634"/>
+          <a:srcRect t="77340"/>
           <a:stretch/>
         </p:blipFill>
         <p:spPr>
           <a:xfrm>
-            <a:off x="424877" y="5742863"/>
-            <a:ext cx="6197600" cy="592668"/>
+            <a:off x="502237" y="8130215"/>
+            <a:ext cx="6057900" cy="543896"/>
           </a:xfrm>
           <a:prstGeom prst="rect">
             <a:avLst/>
@@ -3443,10 +3443,68 @@
       </p:pic>
       <p:pic>
         <p:nvPicPr>
-          <p:cNvPr id="20" name="Picture 19">
+          <p:cNvPr id="15" name="Picture 14">
             <a:extLst>
               <a:ext uri="{FF2B5EF4-FFF2-40B4-BE49-F238E27FC236}">
-                <a16:creationId xmlns:a16="http://schemas.microsoft.com/office/drawing/2014/main" id="{3C9D6D90-F8ED-6949-BF5E-0B11DB40750B}"/>
+                <a16:creationId xmlns:a16="http://schemas.microsoft.com/office/drawing/2014/main" id="{D11055BB-3E14-B542-A242-A83B261C4855}"/>
+              </a:ext>
+            </a:extLst>
+          </p:cNvPr>
+          <p:cNvPicPr>
+            <a:picLocks noChangeAspect="1"/>
+          </p:cNvPicPr>
+          <p:nvPr/>
+        </p:nvPicPr>
+        <p:blipFill rotWithShape="1">
+          <a:blip r:embed="rId4"/>
+          <a:srcRect t="71009" r="16867"/>
+          <a:stretch/>
+        </p:blipFill>
+        <p:spPr>
+          <a:xfrm>
+            <a:off x="35600" y="6224302"/>
+            <a:ext cx="7031546" cy="1935169"/>
+          </a:xfrm>
+          <a:prstGeom prst="rect">
+            <a:avLst/>
+          </a:prstGeom>
+        </p:spPr>
+      </p:pic>
+      <p:pic>
+        <p:nvPicPr>
+          <p:cNvPr id="18" name="Picture 17">
+            <a:extLst>
+              <a:ext uri="{FF2B5EF4-FFF2-40B4-BE49-F238E27FC236}">
+                <a16:creationId xmlns:a16="http://schemas.microsoft.com/office/drawing/2014/main" id="{C458E6C2-EF55-2746-AEB3-5E948CE546B1}"/>
+              </a:ext>
+            </a:extLst>
+          </p:cNvPr>
+          <p:cNvPicPr>
+            <a:picLocks noChangeAspect="1"/>
+          </p:cNvPicPr>
+          <p:nvPr/>
+        </p:nvPicPr>
+        <p:blipFill rotWithShape="1">
+          <a:blip r:embed="rId4"/>
+          <a:srcRect t="47662" r="16867" b="28318"/>
+          <a:stretch/>
+        </p:blipFill>
+        <p:spPr>
+          <a:xfrm>
+            <a:off x="35600" y="4246411"/>
+            <a:ext cx="7031546" cy="1603324"/>
+          </a:xfrm>
+          <a:prstGeom prst="rect">
+            <a:avLst/>
+          </a:prstGeom>
+        </p:spPr>
+      </p:pic>
+      <p:pic>
+        <p:nvPicPr>
+          <p:cNvPr id="13" name="Picture 12">
+            <a:extLst>
+              <a:ext uri="{FF2B5EF4-FFF2-40B4-BE49-F238E27FC236}">
+                <a16:creationId xmlns:a16="http://schemas.microsoft.com/office/drawing/2014/main" id="{B893F9A6-E09C-6240-BEB6-74A4389DFEC5}"/>
               </a:ext>
             </a:extLst>
           </p:cNvPr>
@@ -3457,13 +3515,13 @@
         </p:nvPicPr>
         <p:blipFill rotWithShape="1">
           <a:blip r:embed="rId3"/>
-          <a:srcRect t="76288"/>
+          <a:srcRect t="52708" b="28603"/>
           <a:stretch/>
         </p:blipFill>
         <p:spPr>
           <a:xfrm>
-            <a:off x="424877" y="8140343"/>
-            <a:ext cx="6197600" cy="533031"/>
+            <a:off x="502237" y="5790707"/>
+            <a:ext cx="6057900" cy="448585"/>
           </a:xfrm>
           <a:prstGeom prst="rect">
             <a:avLst/>
@@ -3472,10 +3530,39 @@
       </p:pic>
       <p:pic>
         <p:nvPicPr>
-          <p:cNvPr id="19" name="Picture 18">
+          <p:cNvPr id="28" name="Picture 27">
             <a:extLst>
               <a:ext uri="{FF2B5EF4-FFF2-40B4-BE49-F238E27FC236}">
-                <a16:creationId xmlns:a16="http://schemas.microsoft.com/office/drawing/2014/main" id="{BF4B4B86-969F-4644-B0E7-83CAAE7C8167}"/>
+                <a16:creationId xmlns:a16="http://schemas.microsoft.com/office/drawing/2014/main" id="{937D5327-543E-4D4C-A185-E053207F00C2}"/>
+              </a:ext>
+            </a:extLst>
+          </p:cNvPr>
+          <p:cNvPicPr>
+            <a:picLocks noChangeAspect="1"/>
+          </p:cNvPicPr>
+          <p:nvPr/>
+        </p:nvPicPr>
+        <p:blipFill rotWithShape="1">
+          <a:blip r:embed="rId4"/>
+          <a:srcRect t="24006" r="16329" b="52800"/>
+          <a:stretch/>
+        </p:blipFill>
+        <p:spPr>
+          <a:xfrm>
+            <a:off x="35600" y="2126518"/>
+            <a:ext cx="7077074" cy="1548172"/>
+          </a:xfrm>
+          <a:prstGeom prst="rect">
+            <a:avLst/>
+          </a:prstGeom>
+        </p:spPr>
+      </p:pic>
+      <p:pic>
+        <p:nvPicPr>
+          <p:cNvPr id="22" name="Picture 21">
+            <a:extLst>
+              <a:ext uri="{FF2B5EF4-FFF2-40B4-BE49-F238E27FC236}">
+                <a16:creationId xmlns:a16="http://schemas.microsoft.com/office/drawing/2014/main" id="{138C3055-B80C-EA44-A7D0-54E76CAD086D}"/>
               </a:ext>
             </a:extLst>
           </p:cNvPr>
@@ -3486,13 +3573,13 @@
         </p:nvPicPr>
         <p:blipFill rotWithShape="1">
           <a:blip r:embed="rId3"/>
-          <a:srcRect t="24494" b="49894"/>
+          <a:srcRect t="27518" b="51081"/>
           <a:stretch/>
         </p:blipFill>
         <p:spPr>
           <a:xfrm>
-            <a:off x="424877" y="3625525"/>
-            <a:ext cx="6197600" cy="575734"/>
+            <a:off x="502237" y="3642772"/>
+            <a:ext cx="6057900" cy="513689"/>
           </a:xfrm>
           <a:prstGeom prst="rect">
             <a:avLst/>
@@ -3501,10 +3588,39 @@
       </p:pic>
       <p:pic>
         <p:nvPicPr>
-          <p:cNvPr id="16" name="Picture 15">
+          <p:cNvPr id="30" name="Picture 29">
             <a:extLst>
               <a:ext uri="{FF2B5EF4-FFF2-40B4-BE49-F238E27FC236}">
-                <a16:creationId xmlns:a16="http://schemas.microsoft.com/office/drawing/2014/main" id="{B9130602-4CFB-B54E-876A-6DB2E669B270}"/>
+                <a16:creationId xmlns:a16="http://schemas.microsoft.com/office/drawing/2014/main" id="{8AD325D4-0B79-3440-AD7E-CC5654E9D2B1}"/>
+              </a:ext>
+            </a:extLst>
+          </p:cNvPr>
+          <p:cNvPicPr>
+            <a:picLocks noChangeAspect="1"/>
+          </p:cNvPicPr>
+          <p:nvPr/>
+        </p:nvPicPr>
+        <p:blipFill rotWithShape="1">
+          <a:blip r:embed="rId4"/>
+          <a:srcRect r="16867" b="76667"/>
+          <a:stretch/>
+        </p:blipFill>
+        <p:spPr>
+          <a:xfrm>
+            <a:off x="35600" y="29980"/>
+            <a:ext cx="7031546" cy="1557502"/>
+          </a:xfrm>
+          <a:prstGeom prst="rect">
+            <a:avLst/>
+          </a:prstGeom>
+        </p:spPr>
+      </p:pic>
+      <p:pic>
+        <p:nvPicPr>
+          <p:cNvPr id="21" name="Picture 20">
+            <a:extLst>
+              <a:ext uri="{FF2B5EF4-FFF2-40B4-BE49-F238E27FC236}">
+                <a16:creationId xmlns:a16="http://schemas.microsoft.com/office/drawing/2014/main" id="{83EF574E-BF2B-4B4B-97C5-197E1298FFB9}"/>
               </a:ext>
             </a:extLst>
           </p:cNvPr>
@@ -3515,13 +3631,13 @@
         </p:nvPicPr>
         <p:blipFill rotWithShape="1">
           <a:blip r:embed="rId3"/>
-          <a:srcRect b="76259"/>
+          <a:srcRect t="2781" b="76654"/>
           <a:stretch/>
         </p:blipFill>
         <p:spPr>
           <a:xfrm>
-            <a:off x="424877" y="1567510"/>
-            <a:ext cx="6197600" cy="533669"/>
+            <a:off x="502237" y="1590260"/>
+            <a:ext cx="6057900" cy="493639"/>
           </a:xfrm>
           <a:prstGeom prst="rect">
             <a:avLst/>
@@ -3543,130 +3659,14 @@
           <p:nvPr/>
         </p:nvPicPr>
         <p:blipFill rotWithShape="1">
-          <a:blip r:embed="rId4"/>
+          <a:blip r:embed="rId5"/>
           <a:srcRect l="83807" t="2415" r="407" b="58744"/>
           <a:stretch/>
         </p:blipFill>
         <p:spPr>
           <a:xfrm>
-            <a:off x="7077074" y="1635993"/>
-            <a:ext cx="1381126" cy="2663687"/>
-          </a:xfrm>
-          <a:prstGeom prst="rect">
-            <a:avLst/>
-          </a:prstGeom>
-        </p:spPr>
-      </p:pic>
-      <p:pic>
-        <p:nvPicPr>
-          <p:cNvPr id="14" name="Picture 13">
-            <a:extLst>
-              <a:ext uri="{FF2B5EF4-FFF2-40B4-BE49-F238E27FC236}">
-                <a16:creationId xmlns:a16="http://schemas.microsoft.com/office/drawing/2014/main" id="{2D615605-7982-8B49-A32A-9B495CD17400}"/>
-              </a:ext>
-            </a:extLst>
-          </p:cNvPr>
-          <p:cNvPicPr>
-            <a:picLocks noChangeAspect="1"/>
-          </p:cNvPicPr>
-          <p:nvPr/>
-        </p:nvPicPr>
-        <p:blipFill rotWithShape="1">
-          <a:blip r:embed="rId5"/>
-          <a:srcRect t="72361" r="18300"/>
-          <a:stretch/>
-        </p:blipFill>
-        <p:spPr>
-          <a:xfrm>
-            <a:off x="-29720" y="6324499"/>
-            <a:ext cx="7180111" cy="1904108"/>
-          </a:xfrm>
-          <a:prstGeom prst="rect">
-            <a:avLst/>
-          </a:prstGeom>
-        </p:spPr>
-      </p:pic>
-      <p:pic>
-        <p:nvPicPr>
-          <p:cNvPr id="15" name="Picture 14">
-            <a:extLst>
-              <a:ext uri="{FF2B5EF4-FFF2-40B4-BE49-F238E27FC236}">
-                <a16:creationId xmlns:a16="http://schemas.microsoft.com/office/drawing/2014/main" id="{68635B90-F672-8B45-A5AB-BEAD28F6D60D}"/>
-              </a:ext>
-            </a:extLst>
-          </p:cNvPr>
-          <p:cNvPicPr>
-            <a:picLocks noChangeAspect="1"/>
-          </p:cNvPicPr>
-          <p:nvPr/>
-        </p:nvPicPr>
-        <p:blipFill rotWithShape="1">
-          <a:blip r:embed="rId5"/>
-          <a:srcRect r="19568" b="75829"/>
-          <a:stretch/>
-        </p:blipFill>
-        <p:spPr>
-          <a:xfrm>
-            <a:off x="-29720" y="41411"/>
-            <a:ext cx="7068701" cy="1665230"/>
-          </a:xfrm>
-          <a:prstGeom prst="rect">
-            <a:avLst/>
-          </a:prstGeom>
-        </p:spPr>
-      </p:pic>
-      <p:pic>
-        <p:nvPicPr>
-          <p:cNvPr id="17" name="Picture 16">
-            <a:extLst>
-              <a:ext uri="{FF2B5EF4-FFF2-40B4-BE49-F238E27FC236}">
-                <a16:creationId xmlns:a16="http://schemas.microsoft.com/office/drawing/2014/main" id="{42C284A5-F86B-7B47-970C-5E3F57FB5B02}"/>
-              </a:ext>
-            </a:extLst>
-          </p:cNvPr>
-          <p:cNvPicPr>
-            <a:picLocks noChangeAspect="1"/>
-          </p:cNvPicPr>
-          <p:nvPr/>
-        </p:nvPicPr>
-        <p:blipFill rotWithShape="1">
-          <a:blip r:embed="rId5"/>
-          <a:srcRect t="23677" r="18169" b="51245"/>
-          <a:stretch/>
-        </p:blipFill>
-        <p:spPr>
-          <a:xfrm>
-            <a:off x="-27680" y="2058090"/>
-            <a:ext cx="7191656" cy="1727686"/>
-          </a:xfrm>
-          <a:prstGeom prst="rect">
-            <a:avLst/>
-          </a:prstGeom>
-        </p:spPr>
-      </p:pic>
-      <p:pic>
-        <p:nvPicPr>
-          <p:cNvPr id="18" name="Picture 17">
-            <a:extLst>
-              <a:ext uri="{FF2B5EF4-FFF2-40B4-BE49-F238E27FC236}">
-                <a16:creationId xmlns:a16="http://schemas.microsoft.com/office/drawing/2014/main" id="{BD67E26C-4598-0C4D-8E8B-1AF4987DA66B}"/>
-              </a:ext>
-            </a:extLst>
-          </p:cNvPr>
-          <p:cNvPicPr>
-            <a:picLocks noChangeAspect="1"/>
-          </p:cNvPicPr>
-          <p:nvPr/>
-        </p:nvPicPr>
-        <p:blipFill rotWithShape="1">
-          <a:blip r:embed="rId5"/>
-          <a:srcRect t="48122" r="18329" b="27545"/>
-          <a:stretch/>
-        </p:blipFill>
-        <p:spPr>
-          <a:xfrm>
-            <a:off x="-29720" y="4237198"/>
-            <a:ext cx="7177547" cy="1676400"/>
+            <a:off x="6949440" y="1491591"/>
+            <a:ext cx="1280160" cy="2468960"/>
           </a:xfrm>
           <a:prstGeom prst="rect">
             <a:avLst/>

--- a/analysis/plots/fig1_supp2.pptx
+++ b/analysis/plots/fig1_supp2.pptx
@@ -2,7 +2,7 @@
 <file path=ppt/presentation.xml><?xml version="1.0" encoding="utf-8"?>
 <p:presentation xmlns:a="http://schemas.openxmlformats.org/drawingml/2006/main" xmlns:r="http://schemas.openxmlformats.org/officeDocument/2006/relationships" xmlns:p="http://schemas.openxmlformats.org/presentationml/2006/main" saveSubsetFonts="1" autoCompressPictures="0">
   <p:sldMasterIdLst>
-    <p:sldMasterId id="2147483732" r:id="rId1"/>
+    <p:sldMasterId id="2147483744" r:id="rId1"/>
   </p:sldMasterIdLst>
   <p:notesMasterIdLst>
     <p:notesMasterId r:id="rId3"/>
@@ -10,7 +10,7 @@
   <p:sldIdLst>
     <p:sldId id="256" r:id="rId2"/>
   </p:sldIdLst>
-  <p:sldSz cx="8229600" cy="8686800"/>
+  <p:sldSz cx="8047038" cy="8686800"/>
   <p:notesSz cx="6858000" cy="9144000"/>
   <p:defaultTextStyle>
     <a:defPPr>
@@ -197,7 +197,7 @@
           <a:p>
             <a:fld id="{823974A6-29DA-5F4C-9E7A-C6453FF98DB1}" type="datetimeFigureOut">
               <a:rPr lang="en-US" smtClean="0"/>
-              <a:t>9/9/21</a:t>
+              <a:t>12/20/21</a:t>
             </a:fld>
             <a:endParaRPr lang="en-US"/>
           </a:p>
@@ -215,8 +215,8 @@
         </p:nvSpPr>
         <p:spPr>
           <a:xfrm>
-            <a:off x="1966913" y="1143000"/>
-            <a:ext cx="2924175" cy="3086100"/>
+            <a:off x="2000250" y="1143000"/>
+            <a:ext cx="2857500" cy="3086100"/>
           </a:xfrm>
           <a:prstGeom prst="rect">
             <a:avLst/>
@@ -493,8 +493,8 @@
         </p:nvSpPr>
         <p:spPr>
           <a:xfrm>
-            <a:off x="1966913" y="1143000"/>
-            <a:ext cx="2924175" cy="3086100"/>
+            <a:off x="2000250" y="1143000"/>
+            <a:ext cx="2857500" cy="3086100"/>
           </a:xfrm>
         </p:spPr>
       </p:sp>
@@ -582,15 +582,15 @@
         </p:nvSpPr>
         <p:spPr>
           <a:xfrm>
-            <a:off x="617220" y="1421660"/>
-            <a:ext cx="6995160" cy="3024293"/>
+            <a:off x="603528" y="1421660"/>
+            <a:ext cx="6839982" cy="3024293"/>
           </a:xfrm>
         </p:spPr>
         <p:txBody>
           <a:bodyPr anchor="b"/>
           <a:lstStyle>
             <a:lvl1pPr algn="ctr">
-              <a:defRPr sz="5400"/>
+              <a:defRPr sz="5280"/>
             </a:lvl1pPr>
           </a:lstStyle>
           <a:p>
@@ -614,8 +614,8 @@
         </p:nvSpPr>
         <p:spPr>
           <a:xfrm>
-            <a:off x="1028700" y="4562581"/>
-            <a:ext cx="6172200" cy="2097299"/>
+            <a:off x="1005880" y="4562581"/>
+            <a:ext cx="6035279" cy="2097299"/>
           </a:xfrm>
         </p:spPr>
         <p:txBody>
@@ -623,39 +623,39 @@
           <a:lstStyle>
             <a:lvl1pPr marL="0" indent="0" algn="ctr">
               <a:buNone/>
-              <a:defRPr sz="2160"/>
+              <a:defRPr sz="2112"/>
             </a:lvl1pPr>
-            <a:lvl2pPr marL="411480" indent="0" algn="ctr">
-              <a:buNone/>
-              <a:defRPr sz="1800"/>
+            <a:lvl2pPr marL="402336" indent="0" algn="ctr">
+              <a:buNone/>
+              <a:defRPr sz="1760"/>
             </a:lvl2pPr>
-            <a:lvl3pPr marL="822960" indent="0" algn="ctr">
-              <a:buNone/>
-              <a:defRPr sz="1620"/>
+            <a:lvl3pPr marL="804672" indent="0" algn="ctr">
+              <a:buNone/>
+              <a:defRPr sz="1584"/>
             </a:lvl3pPr>
-            <a:lvl4pPr marL="1234440" indent="0" algn="ctr">
-              <a:buNone/>
-              <a:defRPr sz="1440"/>
+            <a:lvl4pPr marL="1207008" indent="0" algn="ctr">
+              <a:buNone/>
+              <a:defRPr sz="1408"/>
             </a:lvl4pPr>
-            <a:lvl5pPr marL="1645920" indent="0" algn="ctr">
-              <a:buNone/>
-              <a:defRPr sz="1440"/>
+            <a:lvl5pPr marL="1609344" indent="0" algn="ctr">
+              <a:buNone/>
+              <a:defRPr sz="1408"/>
             </a:lvl5pPr>
-            <a:lvl6pPr marL="2057400" indent="0" algn="ctr">
-              <a:buNone/>
-              <a:defRPr sz="1440"/>
+            <a:lvl6pPr marL="2011680" indent="0" algn="ctr">
+              <a:buNone/>
+              <a:defRPr sz="1408"/>
             </a:lvl6pPr>
-            <a:lvl7pPr marL="2468880" indent="0" algn="ctr">
-              <a:buNone/>
-              <a:defRPr sz="1440"/>
+            <a:lvl7pPr marL="2414016" indent="0" algn="ctr">
+              <a:buNone/>
+              <a:defRPr sz="1408"/>
             </a:lvl7pPr>
-            <a:lvl8pPr marL="2880360" indent="0" algn="ctr">
-              <a:buNone/>
-              <a:defRPr sz="1440"/>
+            <a:lvl8pPr marL="2816352" indent="0" algn="ctr">
+              <a:buNone/>
+              <a:defRPr sz="1408"/>
             </a:lvl8pPr>
-            <a:lvl9pPr marL="3291840" indent="0" algn="ctr">
-              <a:buNone/>
-              <a:defRPr sz="1440"/>
+            <a:lvl9pPr marL="3218688" indent="0" algn="ctr">
+              <a:buNone/>
+              <a:defRPr sz="1408"/>
             </a:lvl9pPr>
           </a:lstStyle>
           <a:p>
@@ -684,7 +684,7 @@
           <a:p>
             <a:fld id="{3D4FB17C-64C5-814C-8D68-9570E398B727}" type="datetimeFigureOut">
               <a:rPr lang="en-US" smtClean="0"/>
-              <a:t>9/9/21</a:t>
+              <a:t>12/20/21</a:t>
             </a:fld>
             <a:endParaRPr lang="en-US"/>
           </a:p>
@@ -735,7 +735,7 @@
     </p:spTree>
     <p:extLst>
       <p:ext uri="{BB962C8B-B14F-4D97-AF65-F5344CB8AC3E}">
-        <p14:creationId xmlns:p14="http://schemas.microsoft.com/office/powerpoint/2010/main" val="841057788"/>
+        <p14:creationId xmlns:p14="http://schemas.microsoft.com/office/powerpoint/2010/main" val="1942525645"/>
       </p:ext>
     </p:extLst>
   </p:cSld>
@@ -854,7 +854,7 @@
           <a:p>
             <a:fld id="{3D4FB17C-64C5-814C-8D68-9570E398B727}" type="datetimeFigureOut">
               <a:rPr lang="en-US" smtClean="0"/>
-              <a:t>9/9/21</a:t>
+              <a:t>12/20/21</a:t>
             </a:fld>
             <a:endParaRPr lang="en-US"/>
           </a:p>
@@ -905,7 +905,7 @@
     </p:spTree>
     <p:extLst>
       <p:ext uri="{BB962C8B-B14F-4D97-AF65-F5344CB8AC3E}">
-        <p14:creationId xmlns:p14="http://schemas.microsoft.com/office/powerpoint/2010/main" val="4027748229"/>
+        <p14:creationId xmlns:p14="http://schemas.microsoft.com/office/powerpoint/2010/main" val="3711913085"/>
       </p:ext>
     </p:extLst>
   </p:cSld>
@@ -944,8 +944,8 @@
         </p:nvSpPr>
         <p:spPr>
           <a:xfrm>
-            <a:off x="5889308" y="462492"/>
-            <a:ext cx="1774508" cy="7361661"/>
+            <a:off x="5758662" y="462492"/>
+            <a:ext cx="1735143" cy="7361661"/>
           </a:xfrm>
         </p:spPr>
         <p:txBody>
@@ -972,8 +972,8 @@
         </p:nvSpPr>
         <p:spPr>
           <a:xfrm>
-            <a:off x="565785" y="462492"/>
-            <a:ext cx="5220653" cy="7361661"/>
+            <a:off x="553234" y="462492"/>
+            <a:ext cx="5104840" cy="7361661"/>
           </a:xfrm>
         </p:spPr>
         <p:txBody>
@@ -1034,7 +1034,7 @@
           <a:p>
             <a:fld id="{3D4FB17C-64C5-814C-8D68-9570E398B727}" type="datetimeFigureOut">
               <a:rPr lang="en-US" smtClean="0"/>
-              <a:t>9/9/21</a:t>
+              <a:t>12/20/21</a:t>
             </a:fld>
             <a:endParaRPr lang="en-US"/>
           </a:p>
@@ -1085,7 +1085,7 @@
     </p:spTree>
     <p:extLst>
       <p:ext uri="{BB962C8B-B14F-4D97-AF65-F5344CB8AC3E}">
-        <p14:creationId xmlns:p14="http://schemas.microsoft.com/office/powerpoint/2010/main" val="4033297682"/>
+        <p14:creationId xmlns:p14="http://schemas.microsoft.com/office/powerpoint/2010/main" val="3830514016"/>
       </p:ext>
     </p:extLst>
   </p:cSld>
@@ -1204,7 +1204,7 @@
           <a:p>
             <a:fld id="{3D4FB17C-64C5-814C-8D68-9570E398B727}" type="datetimeFigureOut">
               <a:rPr lang="en-US" smtClean="0"/>
-              <a:t>9/9/21</a:t>
+              <a:t>12/20/21</a:t>
             </a:fld>
             <a:endParaRPr lang="en-US"/>
           </a:p>
@@ -1255,7 +1255,7 @@
     </p:spTree>
     <p:extLst>
       <p:ext uri="{BB962C8B-B14F-4D97-AF65-F5344CB8AC3E}">
-        <p14:creationId xmlns:p14="http://schemas.microsoft.com/office/powerpoint/2010/main" val="1441409453"/>
+        <p14:creationId xmlns:p14="http://schemas.microsoft.com/office/powerpoint/2010/main" val="403043963"/>
       </p:ext>
     </p:extLst>
   </p:cSld>
@@ -1294,15 +1294,15 @@
         </p:nvSpPr>
         <p:spPr>
           <a:xfrm>
-            <a:off x="561499" y="2165670"/>
-            <a:ext cx="7098030" cy="3613467"/>
+            <a:off x="549043" y="2165670"/>
+            <a:ext cx="6940570" cy="3613467"/>
           </a:xfrm>
         </p:spPr>
         <p:txBody>
           <a:bodyPr anchor="b"/>
           <a:lstStyle>
             <a:lvl1pPr>
-              <a:defRPr sz="5400"/>
+              <a:defRPr sz="5280"/>
             </a:lvl1pPr>
           </a:lstStyle>
           <a:p>
@@ -1326,8 +1326,8 @@
         </p:nvSpPr>
         <p:spPr>
           <a:xfrm>
-            <a:off x="561499" y="5813322"/>
-            <a:ext cx="7098030" cy="1900237"/>
+            <a:off x="549043" y="5813322"/>
+            <a:ext cx="6940570" cy="1900237"/>
           </a:xfrm>
         </p:spPr>
         <p:txBody>
@@ -1335,15 +1335,15 @@
           <a:lstStyle>
             <a:lvl1pPr marL="0" indent="0">
               <a:buNone/>
-              <a:defRPr sz="2160">
+              <a:defRPr sz="2112">
                 <a:solidFill>
                   <a:schemeClr val="tx1"/>
                 </a:solidFill>
               </a:defRPr>
             </a:lvl1pPr>
-            <a:lvl2pPr marL="411480" indent="0">
-              <a:buNone/>
-              <a:defRPr sz="1800">
+            <a:lvl2pPr marL="402336" indent="0">
+              <a:buNone/>
+              <a:defRPr sz="1760">
                 <a:solidFill>
                   <a:schemeClr val="tx1">
                     <a:tint val="75000"/>
@@ -1351,9 +1351,9 @@
                 </a:solidFill>
               </a:defRPr>
             </a:lvl2pPr>
-            <a:lvl3pPr marL="822960" indent="0">
-              <a:buNone/>
-              <a:defRPr sz="1620">
+            <a:lvl3pPr marL="804672" indent="0">
+              <a:buNone/>
+              <a:defRPr sz="1584">
                 <a:solidFill>
                   <a:schemeClr val="tx1">
                     <a:tint val="75000"/>
@@ -1361,9 +1361,9 @@
                 </a:solidFill>
               </a:defRPr>
             </a:lvl3pPr>
-            <a:lvl4pPr marL="1234440" indent="0">
-              <a:buNone/>
-              <a:defRPr sz="1440">
+            <a:lvl4pPr marL="1207008" indent="0">
+              <a:buNone/>
+              <a:defRPr sz="1408">
                 <a:solidFill>
                   <a:schemeClr val="tx1">
                     <a:tint val="75000"/>
@@ -1371,9 +1371,9 @@
                 </a:solidFill>
               </a:defRPr>
             </a:lvl4pPr>
-            <a:lvl5pPr marL="1645920" indent="0">
-              <a:buNone/>
-              <a:defRPr sz="1440">
+            <a:lvl5pPr marL="1609344" indent="0">
+              <a:buNone/>
+              <a:defRPr sz="1408">
                 <a:solidFill>
                   <a:schemeClr val="tx1">
                     <a:tint val="75000"/>
@@ -1381,9 +1381,9 @@
                 </a:solidFill>
               </a:defRPr>
             </a:lvl5pPr>
-            <a:lvl6pPr marL="2057400" indent="0">
-              <a:buNone/>
-              <a:defRPr sz="1440">
+            <a:lvl6pPr marL="2011680" indent="0">
+              <a:buNone/>
+              <a:defRPr sz="1408">
                 <a:solidFill>
                   <a:schemeClr val="tx1">
                     <a:tint val="75000"/>
@@ -1391,9 +1391,9 @@
                 </a:solidFill>
               </a:defRPr>
             </a:lvl6pPr>
-            <a:lvl7pPr marL="2468880" indent="0">
-              <a:buNone/>
-              <a:defRPr sz="1440">
+            <a:lvl7pPr marL="2414016" indent="0">
+              <a:buNone/>
+              <a:defRPr sz="1408">
                 <a:solidFill>
                   <a:schemeClr val="tx1">
                     <a:tint val="75000"/>
@@ -1401,9 +1401,9 @@
                 </a:solidFill>
               </a:defRPr>
             </a:lvl7pPr>
-            <a:lvl8pPr marL="2880360" indent="0">
-              <a:buNone/>
-              <a:defRPr sz="1440">
+            <a:lvl8pPr marL="2816352" indent="0">
+              <a:buNone/>
+              <a:defRPr sz="1408">
                 <a:solidFill>
                   <a:schemeClr val="tx1">
                     <a:tint val="75000"/>
@@ -1411,9 +1411,9 @@
                 </a:solidFill>
               </a:defRPr>
             </a:lvl8pPr>
-            <a:lvl9pPr marL="3291840" indent="0">
-              <a:buNone/>
-              <a:defRPr sz="1440">
+            <a:lvl9pPr marL="3218688" indent="0">
+              <a:buNone/>
+              <a:defRPr sz="1408">
                 <a:solidFill>
                   <a:schemeClr val="tx1">
                     <a:tint val="75000"/>
@@ -1448,7 +1448,7 @@
           <a:p>
             <a:fld id="{3D4FB17C-64C5-814C-8D68-9570E398B727}" type="datetimeFigureOut">
               <a:rPr lang="en-US" smtClean="0"/>
-              <a:t>9/9/21</a:t>
+              <a:t>12/20/21</a:t>
             </a:fld>
             <a:endParaRPr lang="en-US"/>
           </a:p>
@@ -1499,7 +1499,7 @@
     </p:spTree>
     <p:extLst>
       <p:ext uri="{BB962C8B-B14F-4D97-AF65-F5344CB8AC3E}">
-        <p14:creationId xmlns:p14="http://schemas.microsoft.com/office/powerpoint/2010/main" val="4241764856"/>
+        <p14:creationId xmlns:p14="http://schemas.microsoft.com/office/powerpoint/2010/main" val="3608119133"/>
       </p:ext>
     </p:extLst>
   </p:cSld>
@@ -1561,8 +1561,8 @@
         </p:nvSpPr>
         <p:spPr>
           <a:xfrm>
-            <a:off x="565785" y="2312458"/>
-            <a:ext cx="3497580" cy="5511695"/>
+            <a:off x="553234" y="2312458"/>
+            <a:ext cx="3419991" cy="5511695"/>
           </a:xfrm>
         </p:spPr>
         <p:txBody>
@@ -1618,8 +1618,8 @@
         </p:nvSpPr>
         <p:spPr>
           <a:xfrm>
-            <a:off x="4166235" y="2312458"/>
-            <a:ext cx="3497580" cy="5511695"/>
+            <a:off x="4073813" y="2312458"/>
+            <a:ext cx="3419991" cy="5511695"/>
           </a:xfrm>
         </p:spPr>
         <p:txBody>
@@ -1680,7 +1680,7 @@
           <a:p>
             <a:fld id="{3D4FB17C-64C5-814C-8D68-9570E398B727}" type="datetimeFigureOut">
               <a:rPr lang="en-US" smtClean="0"/>
-              <a:t>9/9/21</a:t>
+              <a:t>12/20/21</a:t>
             </a:fld>
             <a:endParaRPr lang="en-US"/>
           </a:p>
@@ -1731,7 +1731,7 @@
     </p:spTree>
     <p:extLst>
       <p:ext uri="{BB962C8B-B14F-4D97-AF65-F5344CB8AC3E}">
-        <p14:creationId xmlns:p14="http://schemas.microsoft.com/office/powerpoint/2010/main" val="3643624844"/>
+        <p14:creationId xmlns:p14="http://schemas.microsoft.com/office/powerpoint/2010/main" val="3675557770"/>
       </p:ext>
     </p:extLst>
   </p:cSld>
@@ -1770,8 +1770,8 @@
         </p:nvSpPr>
         <p:spPr>
           <a:xfrm>
-            <a:off x="566857" y="462494"/>
-            <a:ext cx="7098030" cy="1679046"/>
+            <a:off x="554282" y="462494"/>
+            <a:ext cx="6940570" cy="1679046"/>
           </a:xfrm>
         </p:spPr>
         <p:txBody>
@@ -1798,8 +1798,8 @@
         </p:nvSpPr>
         <p:spPr>
           <a:xfrm>
-            <a:off x="566858" y="2129473"/>
-            <a:ext cx="3481506" cy="1043622"/>
+            <a:off x="554283" y="2129473"/>
+            <a:ext cx="3404274" cy="1043622"/>
           </a:xfrm>
         </p:spPr>
         <p:txBody>
@@ -1807,39 +1807,39 @@
           <a:lstStyle>
             <a:lvl1pPr marL="0" indent="0">
               <a:buNone/>
-              <a:defRPr sz="2160" b="1"/>
+              <a:defRPr sz="2112" b="1"/>
             </a:lvl1pPr>
-            <a:lvl2pPr marL="411480" indent="0">
-              <a:buNone/>
-              <a:defRPr sz="1800" b="1"/>
+            <a:lvl2pPr marL="402336" indent="0">
+              <a:buNone/>
+              <a:defRPr sz="1760" b="1"/>
             </a:lvl2pPr>
-            <a:lvl3pPr marL="822960" indent="0">
-              <a:buNone/>
-              <a:defRPr sz="1620" b="1"/>
+            <a:lvl3pPr marL="804672" indent="0">
+              <a:buNone/>
+              <a:defRPr sz="1584" b="1"/>
             </a:lvl3pPr>
-            <a:lvl4pPr marL="1234440" indent="0">
-              <a:buNone/>
-              <a:defRPr sz="1440" b="1"/>
+            <a:lvl4pPr marL="1207008" indent="0">
+              <a:buNone/>
+              <a:defRPr sz="1408" b="1"/>
             </a:lvl4pPr>
-            <a:lvl5pPr marL="1645920" indent="0">
-              <a:buNone/>
-              <a:defRPr sz="1440" b="1"/>
+            <a:lvl5pPr marL="1609344" indent="0">
+              <a:buNone/>
+              <a:defRPr sz="1408" b="1"/>
             </a:lvl5pPr>
-            <a:lvl6pPr marL="2057400" indent="0">
-              <a:buNone/>
-              <a:defRPr sz="1440" b="1"/>
+            <a:lvl6pPr marL="2011680" indent="0">
+              <a:buNone/>
+              <a:defRPr sz="1408" b="1"/>
             </a:lvl6pPr>
-            <a:lvl7pPr marL="2468880" indent="0">
-              <a:buNone/>
-              <a:defRPr sz="1440" b="1"/>
+            <a:lvl7pPr marL="2414016" indent="0">
+              <a:buNone/>
+              <a:defRPr sz="1408" b="1"/>
             </a:lvl7pPr>
-            <a:lvl8pPr marL="2880360" indent="0">
-              <a:buNone/>
-              <a:defRPr sz="1440" b="1"/>
+            <a:lvl8pPr marL="2816352" indent="0">
+              <a:buNone/>
+              <a:defRPr sz="1408" b="1"/>
             </a:lvl8pPr>
-            <a:lvl9pPr marL="3291840" indent="0">
-              <a:buNone/>
-              <a:defRPr sz="1440" b="1"/>
+            <a:lvl9pPr marL="3218688" indent="0">
+              <a:buNone/>
+              <a:defRPr sz="1408" b="1"/>
             </a:lvl9pPr>
           </a:lstStyle>
           <a:p>
@@ -1863,8 +1863,8 @@
         </p:nvSpPr>
         <p:spPr>
           <a:xfrm>
-            <a:off x="566858" y="3173095"/>
-            <a:ext cx="3481506" cy="4667145"/>
+            <a:off x="554283" y="3173095"/>
+            <a:ext cx="3404274" cy="4667145"/>
           </a:xfrm>
         </p:spPr>
         <p:txBody>
@@ -1920,8 +1920,8 @@
         </p:nvSpPr>
         <p:spPr>
           <a:xfrm>
-            <a:off x="4166235" y="2129473"/>
-            <a:ext cx="3498652" cy="1043622"/>
+            <a:off x="4073814" y="2129473"/>
+            <a:ext cx="3421039" cy="1043622"/>
           </a:xfrm>
         </p:spPr>
         <p:txBody>
@@ -1929,39 +1929,39 @@
           <a:lstStyle>
             <a:lvl1pPr marL="0" indent="0">
               <a:buNone/>
-              <a:defRPr sz="2160" b="1"/>
+              <a:defRPr sz="2112" b="1"/>
             </a:lvl1pPr>
-            <a:lvl2pPr marL="411480" indent="0">
-              <a:buNone/>
-              <a:defRPr sz="1800" b="1"/>
+            <a:lvl2pPr marL="402336" indent="0">
+              <a:buNone/>
+              <a:defRPr sz="1760" b="1"/>
             </a:lvl2pPr>
-            <a:lvl3pPr marL="822960" indent="0">
-              <a:buNone/>
-              <a:defRPr sz="1620" b="1"/>
+            <a:lvl3pPr marL="804672" indent="0">
+              <a:buNone/>
+              <a:defRPr sz="1584" b="1"/>
             </a:lvl3pPr>
-            <a:lvl4pPr marL="1234440" indent="0">
-              <a:buNone/>
-              <a:defRPr sz="1440" b="1"/>
+            <a:lvl4pPr marL="1207008" indent="0">
+              <a:buNone/>
+              <a:defRPr sz="1408" b="1"/>
             </a:lvl4pPr>
-            <a:lvl5pPr marL="1645920" indent="0">
-              <a:buNone/>
-              <a:defRPr sz="1440" b="1"/>
+            <a:lvl5pPr marL="1609344" indent="0">
+              <a:buNone/>
+              <a:defRPr sz="1408" b="1"/>
             </a:lvl5pPr>
-            <a:lvl6pPr marL="2057400" indent="0">
-              <a:buNone/>
-              <a:defRPr sz="1440" b="1"/>
+            <a:lvl6pPr marL="2011680" indent="0">
+              <a:buNone/>
+              <a:defRPr sz="1408" b="1"/>
             </a:lvl6pPr>
-            <a:lvl7pPr marL="2468880" indent="0">
-              <a:buNone/>
-              <a:defRPr sz="1440" b="1"/>
+            <a:lvl7pPr marL="2414016" indent="0">
+              <a:buNone/>
+              <a:defRPr sz="1408" b="1"/>
             </a:lvl7pPr>
-            <a:lvl8pPr marL="2880360" indent="0">
-              <a:buNone/>
-              <a:defRPr sz="1440" b="1"/>
+            <a:lvl8pPr marL="2816352" indent="0">
+              <a:buNone/>
+              <a:defRPr sz="1408" b="1"/>
             </a:lvl8pPr>
-            <a:lvl9pPr marL="3291840" indent="0">
-              <a:buNone/>
-              <a:defRPr sz="1440" b="1"/>
+            <a:lvl9pPr marL="3218688" indent="0">
+              <a:buNone/>
+              <a:defRPr sz="1408" b="1"/>
             </a:lvl9pPr>
           </a:lstStyle>
           <a:p>
@@ -1985,8 +1985,8 @@
         </p:nvSpPr>
         <p:spPr>
           <a:xfrm>
-            <a:off x="4166235" y="3173095"/>
-            <a:ext cx="3498652" cy="4667145"/>
+            <a:off x="4073814" y="3173095"/>
+            <a:ext cx="3421039" cy="4667145"/>
           </a:xfrm>
         </p:spPr>
         <p:txBody>
@@ -2047,7 +2047,7 @@
           <a:p>
             <a:fld id="{3D4FB17C-64C5-814C-8D68-9570E398B727}" type="datetimeFigureOut">
               <a:rPr lang="en-US" smtClean="0"/>
-              <a:t>9/9/21</a:t>
+              <a:t>12/20/21</a:t>
             </a:fld>
             <a:endParaRPr lang="en-US"/>
           </a:p>
@@ -2098,7 +2098,7 @@
     </p:spTree>
     <p:extLst>
       <p:ext uri="{BB962C8B-B14F-4D97-AF65-F5344CB8AC3E}">
-        <p14:creationId xmlns:p14="http://schemas.microsoft.com/office/powerpoint/2010/main" val="1440748065"/>
+        <p14:creationId xmlns:p14="http://schemas.microsoft.com/office/powerpoint/2010/main" val="3133289348"/>
       </p:ext>
     </p:extLst>
   </p:cSld>
@@ -2165,7 +2165,7 @@
           <a:p>
             <a:fld id="{3D4FB17C-64C5-814C-8D68-9570E398B727}" type="datetimeFigureOut">
               <a:rPr lang="en-US" smtClean="0"/>
-              <a:t>9/9/21</a:t>
+              <a:t>12/20/21</a:t>
             </a:fld>
             <a:endParaRPr lang="en-US"/>
           </a:p>
@@ -2216,7 +2216,7 @@
     </p:spTree>
     <p:extLst>
       <p:ext uri="{BB962C8B-B14F-4D97-AF65-F5344CB8AC3E}">
-        <p14:creationId xmlns:p14="http://schemas.microsoft.com/office/powerpoint/2010/main" val="3043426606"/>
+        <p14:creationId xmlns:p14="http://schemas.microsoft.com/office/powerpoint/2010/main" val="3803967507"/>
       </p:ext>
     </p:extLst>
   </p:cSld>
@@ -2260,7 +2260,7 @@
           <a:p>
             <a:fld id="{3D4FB17C-64C5-814C-8D68-9570E398B727}" type="datetimeFigureOut">
               <a:rPr lang="en-US" smtClean="0"/>
-              <a:t>9/9/21</a:t>
+              <a:t>12/20/21</a:t>
             </a:fld>
             <a:endParaRPr lang="en-US"/>
           </a:p>
@@ -2311,7 +2311,7 @@
     </p:spTree>
     <p:extLst>
       <p:ext uri="{BB962C8B-B14F-4D97-AF65-F5344CB8AC3E}">
-        <p14:creationId xmlns:p14="http://schemas.microsoft.com/office/powerpoint/2010/main" val="2263429942"/>
+        <p14:creationId xmlns:p14="http://schemas.microsoft.com/office/powerpoint/2010/main" val="1712020889"/>
       </p:ext>
     </p:extLst>
   </p:cSld>
@@ -2350,15 +2350,15 @@
         </p:nvSpPr>
         <p:spPr>
           <a:xfrm>
-            <a:off x="566857" y="579120"/>
-            <a:ext cx="2654260" cy="2026920"/>
+            <a:off x="554282" y="579120"/>
+            <a:ext cx="2595379" cy="2026920"/>
           </a:xfrm>
         </p:spPr>
         <p:txBody>
           <a:bodyPr anchor="b"/>
           <a:lstStyle>
             <a:lvl1pPr>
-              <a:defRPr sz="2880"/>
+              <a:defRPr sz="2816"/>
             </a:lvl1pPr>
           </a:lstStyle>
           <a:p>
@@ -2382,39 +2382,39 @@
         </p:nvSpPr>
         <p:spPr>
           <a:xfrm>
-            <a:off x="3498652" y="1250740"/>
-            <a:ext cx="4166235" cy="6173258"/>
+            <a:off x="3421039" y="1250740"/>
+            <a:ext cx="4073813" cy="6173258"/>
           </a:xfrm>
         </p:spPr>
         <p:txBody>
           <a:bodyPr/>
           <a:lstStyle>
             <a:lvl1pPr>
-              <a:defRPr sz="2880"/>
+              <a:defRPr sz="2816"/>
             </a:lvl1pPr>
             <a:lvl2pPr>
-              <a:defRPr sz="2520"/>
+              <a:defRPr sz="2464"/>
             </a:lvl2pPr>
             <a:lvl3pPr>
-              <a:defRPr sz="2160"/>
+              <a:defRPr sz="2112"/>
             </a:lvl3pPr>
             <a:lvl4pPr>
-              <a:defRPr sz="1800"/>
+              <a:defRPr sz="1760"/>
             </a:lvl4pPr>
             <a:lvl5pPr>
-              <a:defRPr sz="1800"/>
+              <a:defRPr sz="1760"/>
             </a:lvl5pPr>
             <a:lvl6pPr>
-              <a:defRPr sz="1800"/>
+              <a:defRPr sz="1760"/>
             </a:lvl6pPr>
             <a:lvl7pPr>
-              <a:defRPr sz="1800"/>
+              <a:defRPr sz="1760"/>
             </a:lvl7pPr>
             <a:lvl8pPr>
-              <a:defRPr sz="1800"/>
+              <a:defRPr sz="1760"/>
             </a:lvl8pPr>
             <a:lvl9pPr>
-              <a:defRPr sz="1800"/>
+              <a:defRPr sz="1760"/>
             </a:lvl9pPr>
           </a:lstStyle>
           <a:p>
@@ -2467,8 +2467,8 @@
         </p:nvSpPr>
         <p:spPr>
           <a:xfrm>
-            <a:off x="566857" y="2606040"/>
-            <a:ext cx="2654260" cy="4828011"/>
+            <a:off x="554282" y="2606040"/>
+            <a:ext cx="2595379" cy="4828011"/>
           </a:xfrm>
         </p:spPr>
         <p:txBody>
@@ -2476,39 +2476,39 @@
           <a:lstStyle>
             <a:lvl1pPr marL="0" indent="0">
               <a:buNone/>
-              <a:defRPr sz="1440"/>
+              <a:defRPr sz="1408"/>
             </a:lvl1pPr>
-            <a:lvl2pPr marL="411480" indent="0">
-              <a:buNone/>
-              <a:defRPr sz="1260"/>
+            <a:lvl2pPr marL="402336" indent="0">
+              <a:buNone/>
+              <a:defRPr sz="1232"/>
             </a:lvl2pPr>
-            <a:lvl3pPr marL="822960" indent="0">
-              <a:buNone/>
-              <a:defRPr sz="1080"/>
+            <a:lvl3pPr marL="804672" indent="0">
+              <a:buNone/>
+              <a:defRPr sz="1056"/>
             </a:lvl3pPr>
-            <a:lvl4pPr marL="1234440" indent="0">
-              <a:buNone/>
-              <a:defRPr sz="900"/>
+            <a:lvl4pPr marL="1207008" indent="0">
+              <a:buNone/>
+              <a:defRPr sz="880"/>
             </a:lvl4pPr>
-            <a:lvl5pPr marL="1645920" indent="0">
-              <a:buNone/>
-              <a:defRPr sz="900"/>
+            <a:lvl5pPr marL="1609344" indent="0">
+              <a:buNone/>
+              <a:defRPr sz="880"/>
             </a:lvl5pPr>
-            <a:lvl6pPr marL="2057400" indent="0">
-              <a:buNone/>
-              <a:defRPr sz="900"/>
+            <a:lvl6pPr marL="2011680" indent="0">
+              <a:buNone/>
+              <a:defRPr sz="880"/>
             </a:lvl6pPr>
-            <a:lvl7pPr marL="2468880" indent="0">
-              <a:buNone/>
-              <a:defRPr sz="900"/>
+            <a:lvl7pPr marL="2414016" indent="0">
+              <a:buNone/>
+              <a:defRPr sz="880"/>
             </a:lvl7pPr>
-            <a:lvl8pPr marL="2880360" indent="0">
-              <a:buNone/>
-              <a:defRPr sz="900"/>
+            <a:lvl8pPr marL="2816352" indent="0">
+              <a:buNone/>
+              <a:defRPr sz="880"/>
             </a:lvl8pPr>
-            <a:lvl9pPr marL="3291840" indent="0">
-              <a:buNone/>
-              <a:defRPr sz="900"/>
+            <a:lvl9pPr marL="3218688" indent="0">
+              <a:buNone/>
+              <a:defRPr sz="880"/>
             </a:lvl9pPr>
           </a:lstStyle>
           <a:p>
@@ -2537,7 +2537,7 @@
           <a:p>
             <a:fld id="{3D4FB17C-64C5-814C-8D68-9570E398B727}" type="datetimeFigureOut">
               <a:rPr lang="en-US" smtClean="0"/>
-              <a:t>9/9/21</a:t>
+              <a:t>12/20/21</a:t>
             </a:fld>
             <a:endParaRPr lang="en-US"/>
           </a:p>
@@ -2588,7 +2588,7 @@
     </p:spTree>
     <p:extLst>
       <p:ext uri="{BB962C8B-B14F-4D97-AF65-F5344CB8AC3E}">
-        <p14:creationId xmlns:p14="http://schemas.microsoft.com/office/powerpoint/2010/main" val="4021804821"/>
+        <p14:creationId xmlns:p14="http://schemas.microsoft.com/office/powerpoint/2010/main" val="1013359162"/>
       </p:ext>
     </p:extLst>
   </p:cSld>
@@ -2627,15 +2627,15 @@
         </p:nvSpPr>
         <p:spPr>
           <a:xfrm>
-            <a:off x="566857" y="579120"/>
-            <a:ext cx="2654260" cy="2026920"/>
+            <a:off x="554282" y="579120"/>
+            <a:ext cx="2595379" cy="2026920"/>
           </a:xfrm>
         </p:spPr>
         <p:txBody>
           <a:bodyPr anchor="b"/>
           <a:lstStyle>
             <a:lvl1pPr>
-              <a:defRPr sz="2880"/>
+              <a:defRPr sz="2816"/>
             </a:lvl1pPr>
           </a:lstStyle>
           <a:p>
@@ -2659,8 +2659,8 @@
         </p:nvSpPr>
         <p:spPr>
           <a:xfrm>
-            <a:off x="3498652" y="1250740"/>
-            <a:ext cx="4166235" cy="6173258"/>
+            <a:off x="3421039" y="1250740"/>
+            <a:ext cx="4073813" cy="6173258"/>
           </a:xfrm>
         </p:spPr>
         <p:txBody>
@@ -2668,39 +2668,39 @@
           <a:lstStyle>
             <a:lvl1pPr marL="0" indent="0">
               <a:buNone/>
-              <a:defRPr sz="2880"/>
+              <a:defRPr sz="2816"/>
             </a:lvl1pPr>
-            <a:lvl2pPr marL="411480" indent="0">
-              <a:buNone/>
-              <a:defRPr sz="2520"/>
+            <a:lvl2pPr marL="402336" indent="0">
+              <a:buNone/>
+              <a:defRPr sz="2464"/>
             </a:lvl2pPr>
-            <a:lvl3pPr marL="822960" indent="0">
-              <a:buNone/>
-              <a:defRPr sz="2160"/>
+            <a:lvl3pPr marL="804672" indent="0">
+              <a:buNone/>
+              <a:defRPr sz="2112"/>
             </a:lvl3pPr>
-            <a:lvl4pPr marL="1234440" indent="0">
-              <a:buNone/>
-              <a:defRPr sz="1800"/>
+            <a:lvl4pPr marL="1207008" indent="0">
+              <a:buNone/>
+              <a:defRPr sz="1760"/>
             </a:lvl4pPr>
-            <a:lvl5pPr marL="1645920" indent="0">
-              <a:buNone/>
-              <a:defRPr sz="1800"/>
+            <a:lvl5pPr marL="1609344" indent="0">
+              <a:buNone/>
+              <a:defRPr sz="1760"/>
             </a:lvl5pPr>
-            <a:lvl6pPr marL="2057400" indent="0">
-              <a:buNone/>
-              <a:defRPr sz="1800"/>
+            <a:lvl6pPr marL="2011680" indent="0">
+              <a:buNone/>
+              <a:defRPr sz="1760"/>
             </a:lvl6pPr>
-            <a:lvl7pPr marL="2468880" indent="0">
-              <a:buNone/>
-              <a:defRPr sz="1800"/>
+            <a:lvl7pPr marL="2414016" indent="0">
+              <a:buNone/>
+              <a:defRPr sz="1760"/>
             </a:lvl7pPr>
-            <a:lvl8pPr marL="2880360" indent="0">
-              <a:buNone/>
-              <a:defRPr sz="1800"/>
+            <a:lvl8pPr marL="2816352" indent="0">
+              <a:buNone/>
+              <a:defRPr sz="1760"/>
             </a:lvl8pPr>
-            <a:lvl9pPr marL="3291840" indent="0">
-              <a:buNone/>
-              <a:defRPr sz="1800"/>
+            <a:lvl9pPr marL="3218688" indent="0">
+              <a:buNone/>
+              <a:defRPr sz="1760"/>
             </a:lvl9pPr>
           </a:lstStyle>
           <a:p>
@@ -2724,8 +2724,8 @@
         </p:nvSpPr>
         <p:spPr>
           <a:xfrm>
-            <a:off x="566857" y="2606040"/>
-            <a:ext cx="2654260" cy="4828011"/>
+            <a:off x="554282" y="2606040"/>
+            <a:ext cx="2595379" cy="4828011"/>
           </a:xfrm>
         </p:spPr>
         <p:txBody>
@@ -2733,39 +2733,39 @@
           <a:lstStyle>
             <a:lvl1pPr marL="0" indent="0">
               <a:buNone/>
-              <a:defRPr sz="1440"/>
+              <a:defRPr sz="1408"/>
             </a:lvl1pPr>
-            <a:lvl2pPr marL="411480" indent="0">
-              <a:buNone/>
-              <a:defRPr sz="1260"/>
+            <a:lvl2pPr marL="402336" indent="0">
+              <a:buNone/>
+              <a:defRPr sz="1232"/>
             </a:lvl2pPr>
-            <a:lvl3pPr marL="822960" indent="0">
-              <a:buNone/>
-              <a:defRPr sz="1080"/>
+            <a:lvl3pPr marL="804672" indent="0">
+              <a:buNone/>
+              <a:defRPr sz="1056"/>
             </a:lvl3pPr>
-            <a:lvl4pPr marL="1234440" indent="0">
-              <a:buNone/>
-              <a:defRPr sz="900"/>
+            <a:lvl4pPr marL="1207008" indent="0">
+              <a:buNone/>
+              <a:defRPr sz="880"/>
             </a:lvl4pPr>
-            <a:lvl5pPr marL="1645920" indent="0">
-              <a:buNone/>
-              <a:defRPr sz="900"/>
+            <a:lvl5pPr marL="1609344" indent="0">
+              <a:buNone/>
+              <a:defRPr sz="880"/>
             </a:lvl5pPr>
-            <a:lvl6pPr marL="2057400" indent="0">
-              <a:buNone/>
-              <a:defRPr sz="900"/>
+            <a:lvl6pPr marL="2011680" indent="0">
+              <a:buNone/>
+              <a:defRPr sz="880"/>
             </a:lvl6pPr>
-            <a:lvl7pPr marL="2468880" indent="0">
-              <a:buNone/>
-              <a:defRPr sz="900"/>
+            <a:lvl7pPr marL="2414016" indent="0">
+              <a:buNone/>
+              <a:defRPr sz="880"/>
             </a:lvl7pPr>
-            <a:lvl8pPr marL="2880360" indent="0">
-              <a:buNone/>
-              <a:defRPr sz="900"/>
+            <a:lvl8pPr marL="2816352" indent="0">
+              <a:buNone/>
+              <a:defRPr sz="880"/>
             </a:lvl8pPr>
-            <a:lvl9pPr marL="3291840" indent="0">
-              <a:buNone/>
-              <a:defRPr sz="900"/>
+            <a:lvl9pPr marL="3218688" indent="0">
+              <a:buNone/>
+              <a:defRPr sz="880"/>
             </a:lvl9pPr>
           </a:lstStyle>
           <a:p>
@@ -2794,7 +2794,7 @@
           <a:p>
             <a:fld id="{3D4FB17C-64C5-814C-8D68-9570E398B727}" type="datetimeFigureOut">
               <a:rPr lang="en-US" smtClean="0"/>
-              <a:t>9/9/21</a:t>
+              <a:t>12/20/21</a:t>
             </a:fld>
             <a:endParaRPr lang="en-US"/>
           </a:p>
@@ -2845,7 +2845,7 @@
     </p:spTree>
     <p:extLst>
       <p:ext uri="{BB962C8B-B14F-4D97-AF65-F5344CB8AC3E}">
-        <p14:creationId xmlns:p14="http://schemas.microsoft.com/office/powerpoint/2010/main" val="2626005724"/>
+        <p14:creationId xmlns:p14="http://schemas.microsoft.com/office/powerpoint/2010/main" val="2553890902"/>
       </p:ext>
     </p:extLst>
   </p:cSld>
@@ -2889,8 +2889,8 @@
         </p:nvSpPr>
         <p:spPr>
           <a:xfrm>
-            <a:off x="565785" y="462494"/>
-            <a:ext cx="7098030" cy="1679046"/>
+            <a:off x="553234" y="462494"/>
+            <a:ext cx="6940570" cy="1679046"/>
           </a:xfrm>
           <a:prstGeom prst="rect">
             <a:avLst/>
@@ -2922,8 +2922,8 @@
         </p:nvSpPr>
         <p:spPr>
           <a:xfrm>
-            <a:off x="565785" y="2312458"/>
-            <a:ext cx="7098030" cy="5511695"/>
+            <a:off x="553234" y="2312458"/>
+            <a:ext cx="6940570" cy="5511695"/>
           </a:xfrm>
           <a:prstGeom prst="rect">
             <a:avLst/>
@@ -2984,8 +2984,8 @@
         </p:nvSpPr>
         <p:spPr>
           <a:xfrm>
-            <a:off x="565785" y="8051378"/>
-            <a:ext cx="1851660" cy="462492"/>
+            <a:off x="553234" y="8051378"/>
+            <a:ext cx="1810584" cy="462492"/>
           </a:xfrm>
           <a:prstGeom prst="rect">
             <a:avLst/>
@@ -2995,7 +2995,7 @@
           <a:bodyPr vert="horz" lIns="91440" tIns="45720" rIns="91440" bIns="45720" rtlCol="0" anchor="ctr"/>
           <a:lstStyle>
             <a:lvl1pPr algn="l">
-              <a:defRPr sz="1080">
+              <a:defRPr sz="1056">
                 <a:solidFill>
                   <a:schemeClr val="tx1">
                     <a:tint val="75000"/>
@@ -3007,7 +3007,7 @@
           <a:p>
             <a:fld id="{3D4FB17C-64C5-814C-8D68-9570E398B727}" type="datetimeFigureOut">
               <a:rPr lang="en-US" smtClean="0"/>
-              <a:t>9/9/21</a:t>
+              <a:t>12/20/21</a:t>
             </a:fld>
             <a:endParaRPr lang="en-US"/>
           </a:p>
@@ -3025,8 +3025,8 @@
         </p:nvSpPr>
         <p:spPr>
           <a:xfrm>
-            <a:off x="2726055" y="8051378"/>
-            <a:ext cx="2777490" cy="462492"/>
+            <a:off x="2665582" y="8051378"/>
+            <a:ext cx="2715875" cy="462492"/>
           </a:xfrm>
           <a:prstGeom prst="rect">
             <a:avLst/>
@@ -3036,7 +3036,7 @@
           <a:bodyPr vert="horz" lIns="91440" tIns="45720" rIns="91440" bIns="45720" rtlCol="0" anchor="ctr"/>
           <a:lstStyle>
             <a:lvl1pPr algn="ctr">
-              <a:defRPr sz="1080">
+              <a:defRPr sz="1056">
                 <a:solidFill>
                   <a:schemeClr val="tx1">
                     <a:tint val="75000"/>
@@ -3062,8 +3062,8 @@
         </p:nvSpPr>
         <p:spPr>
           <a:xfrm>
-            <a:off x="5812155" y="8051378"/>
-            <a:ext cx="1851660" cy="462492"/>
+            <a:off x="5683220" y="8051378"/>
+            <a:ext cx="1810584" cy="462492"/>
           </a:xfrm>
           <a:prstGeom prst="rect">
             <a:avLst/>
@@ -3073,7 +3073,7 @@
           <a:bodyPr vert="horz" lIns="91440" tIns="45720" rIns="91440" bIns="45720" rtlCol="0" anchor="ctr"/>
           <a:lstStyle>
             <a:lvl1pPr algn="r">
-              <a:defRPr sz="1080">
+              <a:defRPr sz="1056">
                 <a:solidFill>
                   <a:schemeClr val="tx1">
                     <a:tint val="75000"/>
@@ -3094,27 +3094,27 @@
     </p:spTree>
     <p:extLst>
       <p:ext uri="{BB962C8B-B14F-4D97-AF65-F5344CB8AC3E}">
-        <p14:creationId xmlns:p14="http://schemas.microsoft.com/office/powerpoint/2010/main" val="3608815207"/>
+        <p14:creationId xmlns:p14="http://schemas.microsoft.com/office/powerpoint/2010/main" val="1168167562"/>
       </p:ext>
     </p:extLst>
   </p:cSld>
   <p:clrMap bg1="lt1" tx1="dk1" bg2="lt2" tx2="dk2" accent1="accent1" accent2="accent2" accent3="accent3" accent4="accent4" accent5="accent5" accent6="accent6" hlink="hlink" folHlink="folHlink"/>
   <p:sldLayoutIdLst>
-    <p:sldLayoutId id="2147483733" r:id="rId1"/>
-    <p:sldLayoutId id="2147483734" r:id="rId2"/>
-    <p:sldLayoutId id="2147483735" r:id="rId3"/>
-    <p:sldLayoutId id="2147483736" r:id="rId4"/>
-    <p:sldLayoutId id="2147483737" r:id="rId5"/>
-    <p:sldLayoutId id="2147483738" r:id="rId6"/>
-    <p:sldLayoutId id="2147483739" r:id="rId7"/>
-    <p:sldLayoutId id="2147483740" r:id="rId8"/>
-    <p:sldLayoutId id="2147483741" r:id="rId9"/>
-    <p:sldLayoutId id="2147483742" r:id="rId10"/>
-    <p:sldLayoutId id="2147483743" r:id="rId11"/>
+    <p:sldLayoutId id="2147483745" r:id="rId1"/>
+    <p:sldLayoutId id="2147483746" r:id="rId2"/>
+    <p:sldLayoutId id="2147483747" r:id="rId3"/>
+    <p:sldLayoutId id="2147483748" r:id="rId4"/>
+    <p:sldLayoutId id="2147483749" r:id="rId5"/>
+    <p:sldLayoutId id="2147483750" r:id="rId6"/>
+    <p:sldLayoutId id="2147483751" r:id="rId7"/>
+    <p:sldLayoutId id="2147483752" r:id="rId8"/>
+    <p:sldLayoutId id="2147483753" r:id="rId9"/>
+    <p:sldLayoutId id="2147483754" r:id="rId10"/>
+    <p:sldLayoutId id="2147483755" r:id="rId11"/>
   </p:sldLayoutIdLst>
   <p:txStyles>
     <p:titleStyle>
-      <a:lvl1pPr algn="l" defTabSz="822960" rtl="0" eaLnBrk="1" latinLnBrk="0" hangingPunct="1">
+      <a:lvl1pPr algn="l" defTabSz="804672" rtl="0" eaLnBrk="1" latinLnBrk="0" hangingPunct="1">
         <a:lnSpc>
           <a:spcPct val="90000"/>
         </a:lnSpc>
@@ -3122,7 +3122,7 @@
           <a:spcPct val="0"/>
         </a:spcBef>
         <a:buNone/>
-        <a:defRPr sz="3960" kern="1200">
+        <a:defRPr sz="3872" kern="1200">
           <a:solidFill>
             <a:schemeClr val="tx1"/>
           </a:solidFill>
@@ -3133,16 +3133,16 @@
       </a:lvl1pPr>
     </p:titleStyle>
     <p:bodyStyle>
-      <a:lvl1pPr marL="205740" indent="-205740" algn="l" defTabSz="822960" rtl="0" eaLnBrk="1" latinLnBrk="0" hangingPunct="1">
+      <a:lvl1pPr marL="201168" indent="-201168" algn="l" defTabSz="804672" rtl="0" eaLnBrk="1" latinLnBrk="0" hangingPunct="1">
         <a:lnSpc>
           <a:spcPct val="90000"/>
         </a:lnSpc>
         <a:spcBef>
-          <a:spcPts val="900"/>
+          <a:spcPts val="880"/>
         </a:spcBef>
         <a:buFont typeface="Arial" panose="020B0604020202020204" pitchFamily="34" charset="0"/>
         <a:buChar char="•"/>
-        <a:defRPr sz="2520" kern="1200">
+        <a:defRPr sz="2464" kern="1200">
           <a:solidFill>
             <a:schemeClr val="tx1"/>
           </a:solidFill>
@@ -3151,16 +3151,16 @@
           <a:cs typeface="+mn-cs"/>
         </a:defRPr>
       </a:lvl1pPr>
-      <a:lvl2pPr marL="617220" indent="-205740" algn="l" defTabSz="822960" rtl="0" eaLnBrk="1" latinLnBrk="0" hangingPunct="1">
+      <a:lvl2pPr marL="603504" indent="-201168" algn="l" defTabSz="804672" rtl="0" eaLnBrk="1" latinLnBrk="0" hangingPunct="1">
         <a:lnSpc>
           <a:spcPct val="90000"/>
         </a:lnSpc>
         <a:spcBef>
-          <a:spcPts val="450"/>
+          <a:spcPts val="440"/>
         </a:spcBef>
         <a:buFont typeface="Arial" panose="020B0604020202020204" pitchFamily="34" charset="0"/>
         <a:buChar char="•"/>
-        <a:defRPr sz="2160" kern="1200">
+        <a:defRPr sz="2112" kern="1200">
           <a:solidFill>
             <a:schemeClr val="tx1"/>
           </a:solidFill>
@@ -3169,16 +3169,16 @@
           <a:cs typeface="+mn-cs"/>
         </a:defRPr>
       </a:lvl2pPr>
-      <a:lvl3pPr marL="1028700" indent="-205740" algn="l" defTabSz="822960" rtl="0" eaLnBrk="1" latinLnBrk="0" hangingPunct="1">
+      <a:lvl3pPr marL="1005840" indent="-201168" algn="l" defTabSz="804672" rtl="0" eaLnBrk="1" latinLnBrk="0" hangingPunct="1">
         <a:lnSpc>
           <a:spcPct val="90000"/>
         </a:lnSpc>
         <a:spcBef>
-          <a:spcPts val="450"/>
+          <a:spcPts val="440"/>
         </a:spcBef>
         <a:buFont typeface="Arial" panose="020B0604020202020204" pitchFamily="34" charset="0"/>
         <a:buChar char="•"/>
-        <a:defRPr sz="1800" kern="1200">
+        <a:defRPr sz="1760" kern="1200">
           <a:solidFill>
             <a:schemeClr val="tx1"/>
           </a:solidFill>
@@ -3187,16 +3187,16 @@
           <a:cs typeface="+mn-cs"/>
         </a:defRPr>
       </a:lvl3pPr>
-      <a:lvl4pPr marL="1440180" indent="-205740" algn="l" defTabSz="822960" rtl="0" eaLnBrk="1" latinLnBrk="0" hangingPunct="1">
+      <a:lvl4pPr marL="1408176" indent="-201168" algn="l" defTabSz="804672" rtl="0" eaLnBrk="1" latinLnBrk="0" hangingPunct="1">
         <a:lnSpc>
           <a:spcPct val="90000"/>
         </a:lnSpc>
         <a:spcBef>
-          <a:spcPts val="450"/>
+          <a:spcPts val="440"/>
         </a:spcBef>
         <a:buFont typeface="Arial" panose="020B0604020202020204" pitchFamily="34" charset="0"/>
         <a:buChar char="•"/>
-        <a:defRPr sz="1620" kern="1200">
+        <a:defRPr sz="1584" kern="1200">
           <a:solidFill>
             <a:schemeClr val="tx1"/>
           </a:solidFill>
@@ -3205,16 +3205,16 @@
           <a:cs typeface="+mn-cs"/>
         </a:defRPr>
       </a:lvl4pPr>
-      <a:lvl5pPr marL="1851660" indent="-205740" algn="l" defTabSz="822960" rtl="0" eaLnBrk="1" latinLnBrk="0" hangingPunct="1">
+      <a:lvl5pPr marL="1810512" indent="-201168" algn="l" defTabSz="804672" rtl="0" eaLnBrk="1" latinLnBrk="0" hangingPunct="1">
         <a:lnSpc>
           <a:spcPct val="90000"/>
         </a:lnSpc>
         <a:spcBef>
-          <a:spcPts val="450"/>
+          <a:spcPts val="440"/>
         </a:spcBef>
         <a:buFont typeface="Arial" panose="020B0604020202020204" pitchFamily="34" charset="0"/>
         <a:buChar char="•"/>
-        <a:defRPr sz="1620" kern="1200">
+        <a:defRPr sz="1584" kern="1200">
           <a:solidFill>
             <a:schemeClr val="tx1"/>
           </a:solidFill>
@@ -3223,16 +3223,16 @@
           <a:cs typeface="+mn-cs"/>
         </a:defRPr>
       </a:lvl5pPr>
-      <a:lvl6pPr marL="2263140" indent="-205740" algn="l" defTabSz="822960" rtl="0" eaLnBrk="1" latinLnBrk="0" hangingPunct="1">
+      <a:lvl6pPr marL="2212848" indent="-201168" algn="l" defTabSz="804672" rtl="0" eaLnBrk="1" latinLnBrk="0" hangingPunct="1">
         <a:lnSpc>
           <a:spcPct val="90000"/>
         </a:lnSpc>
         <a:spcBef>
-          <a:spcPts val="450"/>
+          <a:spcPts val="440"/>
         </a:spcBef>
         <a:buFont typeface="Arial" panose="020B0604020202020204" pitchFamily="34" charset="0"/>
         <a:buChar char="•"/>
-        <a:defRPr sz="1620" kern="1200">
+        <a:defRPr sz="1584" kern="1200">
           <a:solidFill>
             <a:schemeClr val="tx1"/>
           </a:solidFill>
@@ -3241,16 +3241,16 @@
           <a:cs typeface="+mn-cs"/>
         </a:defRPr>
       </a:lvl6pPr>
-      <a:lvl7pPr marL="2674620" indent="-205740" algn="l" defTabSz="822960" rtl="0" eaLnBrk="1" latinLnBrk="0" hangingPunct="1">
+      <a:lvl7pPr marL="2615184" indent="-201168" algn="l" defTabSz="804672" rtl="0" eaLnBrk="1" latinLnBrk="0" hangingPunct="1">
         <a:lnSpc>
           <a:spcPct val="90000"/>
         </a:lnSpc>
         <a:spcBef>
-          <a:spcPts val="450"/>
+          <a:spcPts val="440"/>
         </a:spcBef>
         <a:buFont typeface="Arial" panose="020B0604020202020204" pitchFamily="34" charset="0"/>
         <a:buChar char="•"/>
-        <a:defRPr sz="1620" kern="1200">
+        <a:defRPr sz="1584" kern="1200">
           <a:solidFill>
             <a:schemeClr val="tx1"/>
           </a:solidFill>
@@ -3259,16 +3259,16 @@
           <a:cs typeface="+mn-cs"/>
         </a:defRPr>
       </a:lvl7pPr>
-      <a:lvl8pPr marL="3086100" indent="-205740" algn="l" defTabSz="822960" rtl="0" eaLnBrk="1" latinLnBrk="0" hangingPunct="1">
+      <a:lvl8pPr marL="3017520" indent="-201168" algn="l" defTabSz="804672" rtl="0" eaLnBrk="1" latinLnBrk="0" hangingPunct="1">
         <a:lnSpc>
           <a:spcPct val="90000"/>
         </a:lnSpc>
         <a:spcBef>
-          <a:spcPts val="450"/>
+          <a:spcPts val="440"/>
         </a:spcBef>
         <a:buFont typeface="Arial" panose="020B0604020202020204" pitchFamily="34" charset="0"/>
         <a:buChar char="•"/>
-        <a:defRPr sz="1620" kern="1200">
+        <a:defRPr sz="1584" kern="1200">
           <a:solidFill>
             <a:schemeClr val="tx1"/>
           </a:solidFill>
@@ -3277,16 +3277,16 @@
           <a:cs typeface="+mn-cs"/>
         </a:defRPr>
       </a:lvl8pPr>
-      <a:lvl9pPr marL="3497580" indent="-205740" algn="l" defTabSz="822960" rtl="0" eaLnBrk="1" latinLnBrk="0" hangingPunct="1">
+      <a:lvl9pPr marL="3419856" indent="-201168" algn="l" defTabSz="804672" rtl="0" eaLnBrk="1" latinLnBrk="0" hangingPunct="1">
         <a:lnSpc>
           <a:spcPct val="90000"/>
         </a:lnSpc>
         <a:spcBef>
-          <a:spcPts val="450"/>
+          <a:spcPts val="440"/>
         </a:spcBef>
         <a:buFont typeface="Arial" panose="020B0604020202020204" pitchFamily="34" charset="0"/>
         <a:buChar char="•"/>
-        <a:defRPr sz="1620" kern="1200">
+        <a:defRPr sz="1584" kern="1200">
           <a:solidFill>
             <a:schemeClr val="tx1"/>
           </a:solidFill>
@@ -3300,8 +3300,8 @@
       <a:defPPr>
         <a:defRPr lang="en-US"/>
       </a:defPPr>
-      <a:lvl1pPr marL="0" algn="l" defTabSz="822960" rtl="0" eaLnBrk="1" latinLnBrk="0" hangingPunct="1">
-        <a:defRPr sz="1620" kern="1200">
+      <a:lvl1pPr marL="0" algn="l" defTabSz="804672" rtl="0" eaLnBrk="1" latinLnBrk="0" hangingPunct="1">
+        <a:defRPr sz="1584" kern="1200">
           <a:solidFill>
             <a:schemeClr val="tx1"/>
           </a:solidFill>
@@ -3310,8 +3310,8 @@
           <a:cs typeface="+mn-cs"/>
         </a:defRPr>
       </a:lvl1pPr>
-      <a:lvl2pPr marL="411480" algn="l" defTabSz="822960" rtl="0" eaLnBrk="1" latinLnBrk="0" hangingPunct="1">
-        <a:defRPr sz="1620" kern="1200">
+      <a:lvl2pPr marL="402336" algn="l" defTabSz="804672" rtl="0" eaLnBrk="1" latinLnBrk="0" hangingPunct="1">
+        <a:defRPr sz="1584" kern="1200">
           <a:solidFill>
             <a:schemeClr val="tx1"/>
           </a:solidFill>
@@ -3320,8 +3320,8 @@
           <a:cs typeface="+mn-cs"/>
         </a:defRPr>
       </a:lvl2pPr>
-      <a:lvl3pPr marL="822960" algn="l" defTabSz="822960" rtl="0" eaLnBrk="1" latinLnBrk="0" hangingPunct="1">
-        <a:defRPr sz="1620" kern="1200">
+      <a:lvl3pPr marL="804672" algn="l" defTabSz="804672" rtl="0" eaLnBrk="1" latinLnBrk="0" hangingPunct="1">
+        <a:defRPr sz="1584" kern="1200">
           <a:solidFill>
             <a:schemeClr val="tx1"/>
           </a:solidFill>
@@ -3330,8 +3330,8 @@
           <a:cs typeface="+mn-cs"/>
         </a:defRPr>
       </a:lvl3pPr>
-      <a:lvl4pPr marL="1234440" algn="l" defTabSz="822960" rtl="0" eaLnBrk="1" latinLnBrk="0" hangingPunct="1">
-        <a:defRPr sz="1620" kern="1200">
+      <a:lvl4pPr marL="1207008" algn="l" defTabSz="804672" rtl="0" eaLnBrk="1" latinLnBrk="0" hangingPunct="1">
+        <a:defRPr sz="1584" kern="1200">
           <a:solidFill>
             <a:schemeClr val="tx1"/>
           </a:solidFill>
@@ -3340,8 +3340,8 @@
           <a:cs typeface="+mn-cs"/>
         </a:defRPr>
       </a:lvl4pPr>
-      <a:lvl5pPr marL="1645920" algn="l" defTabSz="822960" rtl="0" eaLnBrk="1" latinLnBrk="0" hangingPunct="1">
-        <a:defRPr sz="1620" kern="1200">
+      <a:lvl5pPr marL="1609344" algn="l" defTabSz="804672" rtl="0" eaLnBrk="1" latinLnBrk="0" hangingPunct="1">
+        <a:defRPr sz="1584" kern="1200">
           <a:solidFill>
             <a:schemeClr val="tx1"/>
           </a:solidFill>
@@ -3350,8 +3350,8 @@
           <a:cs typeface="+mn-cs"/>
         </a:defRPr>
       </a:lvl5pPr>
-      <a:lvl6pPr marL="2057400" algn="l" defTabSz="822960" rtl="0" eaLnBrk="1" latinLnBrk="0" hangingPunct="1">
-        <a:defRPr sz="1620" kern="1200">
+      <a:lvl6pPr marL="2011680" algn="l" defTabSz="804672" rtl="0" eaLnBrk="1" latinLnBrk="0" hangingPunct="1">
+        <a:defRPr sz="1584" kern="1200">
           <a:solidFill>
             <a:schemeClr val="tx1"/>
           </a:solidFill>
@@ -3360,8 +3360,8 @@
           <a:cs typeface="+mn-cs"/>
         </a:defRPr>
       </a:lvl6pPr>
-      <a:lvl7pPr marL="2468880" algn="l" defTabSz="822960" rtl="0" eaLnBrk="1" latinLnBrk="0" hangingPunct="1">
-        <a:defRPr sz="1620" kern="1200">
+      <a:lvl7pPr marL="2414016" algn="l" defTabSz="804672" rtl="0" eaLnBrk="1" latinLnBrk="0" hangingPunct="1">
+        <a:defRPr sz="1584" kern="1200">
           <a:solidFill>
             <a:schemeClr val="tx1"/>
           </a:solidFill>
@@ -3370,8 +3370,8 @@
           <a:cs typeface="+mn-cs"/>
         </a:defRPr>
       </a:lvl7pPr>
-      <a:lvl8pPr marL="2880360" algn="l" defTabSz="822960" rtl="0" eaLnBrk="1" latinLnBrk="0" hangingPunct="1">
-        <a:defRPr sz="1620" kern="1200">
+      <a:lvl8pPr marL="2816352" algn="l" defTabSz="804672" rtl="0" eaLnBrk="1" latinLnBrk="0" hangingPunct="1">
+        <a:defRPr sz="1584" kern="1200">
           <a:solidFill>
             <a:schemeClr val="tx1"/>
           </a:solidFill>
@@ -3380,8 +3380,8 @@
           <a:cs typeface="+mn-cs"/>
         </a:defRPr>
       </a:lvl8pPr>
-      <a:lvl9pPr marL="3291840" algn="l" defTabSz="822960" rtl="0" eaLnBrk="1" latinLnBrk="0" hangingPunct="1">
-        <a:defRPr sz="1620" kern="1200">
+      <a:lvl9pPr marL="3218688" algn="l" defTabSz="804672" rtl="0" eaLnBrk="1" latinLnBrk="0" hangingPunct="1">
+        <a:defRPr sz="1584" kern="1200">
           <a:solidFill>
             <a:schemeClr val="tx1"/>
           </a:solidFill>
@@ -3414,10 +3414,10 @@
       </p:grpSpPr>
       <p:pic>
         <p:nvPicPr>
-          <p:cNvPr id="23" name="Picture 22">
+          <p:cNvPr id="21" name="Picture 20">
             <a:extLst>
               <a:ext uri="{FF2B5EF4-FFF2-40B4-BE49-F238E27FC236}">
-                <a16:creationId xmlns:a16="http://schemas.microsoft.com/office/drawing/2014/main" id="{1A9FF145-8DE4-8F49-B775-ECE5B30E191A}"/>
+                <a16:creationId xmlns:a16="http://schemas.microsoft.com/office/drawing/2014/main" id="{83EF574E-BF2B-4B4B-97C5-197E1298FFB9}"/>
               </a:ext>
             </a:extLst>
           </p:cNvPr>
@@ -3428,13 +3428,13 @@
         </p:nvPicPr>
         <p:blipFill rotWithShape="1">
           <a:blip r:embed="rId3"/>
-          <a:srcRect t="77340"/>
+          <a:srcRect t="2781" b="76654"/>
           <a:stretch/>
         </p:blipFill>
         <p:spPr>
           <a:xfrm>
-            <a:off x="502237" y="8130215"/>
-            <a:ext cx="6057900" cy="543896"/>
+            <a:off x="541993" y="1582636"/>
+            <a:ext cx="6057900" cy="493639"/>
           </a:xfrm>
           <a:prstGeom prst="rect">
             <a:avLst/>
@@ -3443,10 +3443,10 @@
       </p:pic>
       <p:pic>
         <p:nvPicPr>
-          <p:cNvPr id="15" name="Picture 14">
+          <p:cNvPr id="3" name="Picture 2">
             <a:extLst>
               <a:ext uri="{FF2B5EF4-FFF2-40B4-BE49-F238E27FC236}">
-                <a16:creationId xmlns:a16="http://schemas.microsoft.com/office/drawing/2014/main" id="{D11055BB-3E14-B542-A242-A83B261C4855}"/>
+                <a16:creationId xmlns:a16="http://schemas.microsoft.com/office/drawing/2014/main" id="{EAAB2EEC-647A-7F45-B7D5-5D539385A792}"/>
               </a:ext>
             </a:extLst>
           </p:cNvPr>
@@ -3457,13 +3457,13 @@
         </p:nvPicPr>
         <p:blipFill rotWithShape="1">
           <a:blip r:embed="rId4"/>
-          <a:srcRect t="71009" r="16867"/>
+          <a:srcRect r="13572" b="77188"/>
           <a:stretch/>
         </p:blipFill>
         <p:spPr>
           <a:xfrm>
-            <a:off x="35600" y="6224302"/>
-            <a:ext cx="7031546" cy="1935169"/>
+            <a:off x="0" y="0"/>
+            <a:ext cx="7112674" cy="1555729"/>
           </a:xfrm>
           <a:prstGeom prst="rect">
             <a:avLst/>
@@ -3472,10 +3472,10 @@
       </p:pic>
       <p:pic>
         <p:nvPicPr>
-          <p:cNvPr id="18" name="Picture 17">
+          <p:cNvPr id="7" name="Picture 6">
             <a:extLst>
               <a:ext uri="{FF2B5EF4-FFF2-40B4-BE49-F238E27FC236}">
-                <a16:creationId xmlns:a16="http://schemas.microsoft.com/office/drawing/2014/main" id="{C458E6C2-EF55-2746-AEB3-5E948CE546B1}"/>
+                <a16:creationId xmlns:a16="http://schemas.microsoft.com/office/drawing/2014/main" id="{AA21AA1B-4861-B941-A64D-A985F4AE345D}"/>
               </a:ext>
             </a:extLst>
           </p:cNvPr>
@@ -3486,13 +3486,71 @@
         </p:nvPicPr>
         <p:blipFill rotWithShape="1">
           <a:blip r:embed="rId4"/>
-          <a:srcRect t="47662" r="16867" b="28318"/>
+          <a:srcRect t="23816" r="2218" b="52741"/>
           <a:stretch/>
         </p:blipFill>
         <p:spPr>
           <a:xfrm>
-            <a:off x="35600" y="4246411"/>
-            <a:ext cx="7031546" cy="1603324"/>
+            <a:off x="0" y="2083864"/>
+            <a:ext cx="8047038" cy="1598792"/>
+          </a:xfrm>
+          <a:prstGeom prst="rect">
+            <a:avLst/>
+          </a:prstGeom>
+        </p:spPr>
+      </p:pic>
+      <p:pic>
+        <p:nvPicPr>
+          <p:cNvPr id="22" name="Picture 21">
+            <a:extLst>
+              <a:ext uri="{FF2B5EF4-FFF2-40B4-BE49-F238E27FC236}">
+                <a16:creationId xmlns:a16="http://schemas.microsoft.com/office/drawing/2014/main" id="{138C3055-B80C-EA44-A7D0-54E76CAD086D}"/>
+              </a:ext>
+            </a:extLst>
+          </p:cNvPr>
+          <p:cNvPicPr>
+            <a:picLocks noChangeAspect="1"/>
+          </p:cNvPicPr>
+          <p:nvPr/>
+        </p:nvPicPr>
+        <p:blipFill rotWithShape="1">
+          <a:blip r:embed="rId3"/>
+          <a:srcRect t="27518" b="51081"/>
+          <a:stretch/>
+        </p:blipFill>
+        <p:spPr>
+          <a:xfrm>
+            <a:off x="541993" y="3635148"/>
+            <a:ext cx="6057900" cy="513689"/>
+          </a:xfrm>
+          <a:prstGeom prst="rect">
+            <a:avLst/>
+          </a:prstGeom>
+        </p:spPr>
+      </p:pic>
+      <p:pic>
+        <p:nvPicPr>
+          <p:cNvPr id="9" name="Picture 8">
+            <a:extLst>
+              <a:ext uri="{FF2B5EF4-FFF2-40B4-BE49-F238E27FC236}">
+                <a16:creationId xmlns:a16="http://schemas.microsoft.com/office/drawing/2014/main" id="{950BE188-E279-974A-8F0A-E3698D292F5D}"/>
+              </a:ext>
+            </a:extLst>
+          </p:cNvPr>
+          <p:cNvPicPr>
+            <a:picLocks noChangeAspect="1"/>
+          </p:cNvPicPr>
+          <p:nvPr/>
+        </p:nvPicPr>
+        <p:blipFill rotWithShape="1">
+          <a:blip r:embed="rId4"/>
+          <a:srcRect t="48167" r="2218" b="28778"/>
+          <a:stretch/>
+        </p:blipFill>
+        <p:spPr>
+          <a:xfrm>
+            <a:off x="0" y="4237113"/>
+            <a:ext cx="8047038" cy="1572288"/>
           </a:xfrm>
           <a:prstGeom prst="rect">
             <a:avLst/>
@@ -3520,7 +3578,7 @@
         </p:blipFill>
         <p:spPr>
           <a:xfrm>
-            <a:off x="502237" y="5790707"/>
+            <a:off x="541993" y="5783083"/>
             <a:ext cx="6057900" cy="448585"/>
           </a:xfrm>
           <a:prstGeom prst="rect">
@@ -3530,10 +3588,10 @@
       </p:pic>
       <p:pic>
         <p:nvPicPr>
-          <p:cNvPr id="28" name="Picture 27">
+          <p:cNvPr id="12" name="Picture 11">
             <a:extLst>
               <a:ext uri="{FF2B5EF4-FFF2-40B4-BE49-F238E27FC236}">
-                <a16:creationId xmlns:a16="http://schemas.microsoft.com/office/drawing/2014/main" id="{937D5327-543E-4D4C-A185-E053207F00C2}"/>
+                <a16:creationId xmlns:a16="http://schemas.microsoft.com/office/drawing/2014/main" id="{927E8814-1C1A-D642-AF18-07E5299F9048}"/>
               </a:ext>
             </a:extLst>
           </p:cNvPr>
@@ -3544,13 +3602,13 @@
         </p:nvPicPr>
         <p:blipFill rotWithShape="1">
           <a:blip r:embed="rId4"/>
-          <a:srcRect t="24006" r="16329" b="52800"/>
+          <a:srcRect t="71608" r="2218"/>
           <a:stretch/>
         </p:blipFill>
         <p:spPr>
           <a:xfrm>
-            <a:off x="35600" y="2126518"/>
-            <a:ext cx="7077074" cy="1548172"/>
+            <a:off x="0" y="6258172"/>
+            <a:ext cx="8047038" cy="1936301"/>
           </a:xfrm>
           <a:prstGeom prst="rect">
             <a:avLst/>
@@ -3559,10 +3617,10 @@
       </p:pic>
       <p:pic>
         <p:nvPicPr>
-          <p:cNvPr id="22" name="Picture 21">
+          <p:cNvPr id="23" name="Picture 22">
             <a:extLst>
               <a:ext uri="{FF2B5EF4-FFF2-40B4-BE49-F238E27FC236}">
-                <a16:creationId xmlns:a16="http://schemas.microsoft.com/office/drawing/2014/main" id="{138C3055-B80C-EA44-A7D0-54E76CAD086D}"/>
+                <a16:creationId xmlns:a16="http://schemas.microsoft.com/office/drawing/2014/main" id="{1A9FF145-8DE4-8F49-B775-ECE5B30E191A}"/>
               </a:ext>
             </a:extLst>
           </p:cNvPr>
@@ -3573,13 +3631,13 @@
         </p:nvPicPr>
         <p:blipFill rotWithShape="1">
           <a:blip r:embed="rId3"/>
-          <a:srcRect t="27518" b="51081"/>
+          <a:srcRect t="77340"/>
           <a:stretch/>
         </p:blipFill>
         <p:spPr>
           <a:xfrm>
-            <a:off x="502237" y="3642772"/>
-            <a:ext cx="6057900" cy="513689"/>
+            <a:off x="541993" y="8122588"/>
+            <a:ext cx="6057900" cy="543896"/>
           </a:xfrm>
           <a:prstGeom prst="rect">
             <a:avLst/>
@@ -3588,10 +3646,10 @@
       </p:pic>
       <p:pic>
         <p:nvPicPr>
-          <p:cNvPr id="30" name="Picture 29">
+          <p:cNvPr id="16" name="Picture 15">
             <a:extLst>
               <a:ext uri="{FF2B5EF4-FFF2-40B4-BE49-F238E27FC236}">
-                <a16:creationId xmlns:a16="http://schemas.microsoft.com/office/drawing/2014/main" id="{8AD325D4-0B79-3440-AD7E-CC5654E9D2B1}"/>
+                <a16:creationId xmlns:a16="http://schemas.microsoft.com/office/drawing/2014/main" id="{FEE086C9-934C-E04F-BEF0-CA484C4E80EF}"/>
               </a:ext>
             </a:extLst>
           </p:cNvPr>
@@ -3602,71 +3660,13 @@
         </p:nvPicPr>
         <p:blipFill rotWithShape="1">
           <a:blip r:embed="rId4"/>
-          <a:srcRect r="16867" b="76667"/>
+          <a:srcRect l="87500" t="2829" r="684" b="76961"/>
           <a:stretch/>
         </p:blipFill>
         <p:spPr>
           <a:xfrm>
-            <a:off x="35600" y="29980"/>
-            <a:ext cx="7031546" cy="1557502"/>
-          </a:xfrm>
-          <a:prstGeom prst="rect">
-            <a:avLst/>
-          </a:prstGeom>
-        </p:spPr>
-      </p:pic>
-      <p:pic>
-        <p:nvPicPr>
-          <p:cNvPr id="21" name="Picture 20">
-            <a:extLst>
-              <a:ext uri="{FF2B5EF4-FFF2-40B4-BE49-F238E27FC236}">
-                <a16:creationId xmlns:a16="http://schemas.microsoft.com/office/drawing/2014/main" id="{83EF574E-BF2B-4B4B-97C5-197E1298FFB9}"/>
-              </a:ext>
-            </a:extLst>
-          </p:cNvPr>
-          <p:cNvPicPr>
-            <a:picLocks noChangeAspect="1"/>
-          </p:cNvPicPr>
-          <p:nvPr/>
-        </p:nvPicPr>
-        <p:blipFill rotWithShape="1">
-          <a:blip r:embed="rId3"/>
-          <a:srcRect t="2781" b="76654"/>
-          <a:stretch/>
-        </p:blipFill>
-        <p:spPr>
-          <a:xfrm>
-            <a:off x="502237" y="1590260"/>
-            <a:ext cx="6057900" cy="493639"/>
-          </a:xfrm>
-          <a:prstGeom prst="rect">
-            <a:avLst/>
-          </a:prstGeom>
-        </p:spPr>
-      </p:pic>
-      <p:pic>
-        <p:nvPicPr>
-          <p:cNvPr id="11" name="Picture 10">
-            <a:extLst>
-              <a:ext uri="{FF2B5EF4-FFF2-40B4-BE49-F238E27FC236}">
-                <a16:creationId xmlns:a16="http://schemas.microsoft.com/office/drawing/2014/main" id="{8BBA3C45-FF1E-6C41-BDD5-26BD1BF032DF}"/>
-              </a:ext>
-            </a:extLst>
-          </p:cNvPr>
-          <p:cNvPicPr>
-            <a:picLocks noChangeAspect="1"/>
-          </p:cNvPicPr>
-          <p:nvPr/>
-        </p:nvPicPr>
-        <p:blipFill rotWithShape="1">
-          <a:blip r:embed="rId5"/>
-          <a:srcRect l="83807" t="2415" r="407" b="58744"/>
-          <a:stretch/>
-        </p:blipFill>
-        <p:spPr>
-          <a:xfrm>
-            <a:off x="6949440" y="1491591"/>
-            <a:ext cx="1280160" cy="2468960"/>
+            <a:off x="7045597" y="1595337"/>
+            <a:ext cx="972463" cy="1378226"/>
           </a:xfrm>
           <a:prstGeom prst="rect">
             <a:avLst/>
